--- a/MPI_Workshop.pptx
+++ b/MPI_Workshop.pptx
@@ -186,7 +186,7 @@
           <a:noFill/>
           <a:extLst>
             <a:ext uri="{909E8E84-426E-40dd-AFC4-6F175D3DCCD1}">
-              <a14:hiddenFill xmlns="" xmlns:a14="http://schemas.microsoft.com/office/drawing/2010/main">
+              <a14:hiddenFill xmlns:a14="http://schemas.microsoft.com/office/drawing/2010/main" xmlns="">
                 <a:solidFill>
                   <a:srgbClr val="FFFFFF"/>
                 </a:solidFill>
@@ -246,7 +246,7 @@
             </a:ln>
             <a:extLst>
               <a:ext uri="{91240B29-F687-4f45-9708-019B960494DF}">
-                <a14:hiddenLine xmlns="" xmlns:a14="http://schemas.microsoft.com/office/drawing/2010/main" w="9525">
+                <a14:hiddenLine xmlns:a14="http://schemas.microsoft.com/office/drawing/2010/main" xmlns="" w="9525">
                   <a:solidFill>
                     <a:srgbClr val="000000"/>
                   </a:solidFill>
@@ -336,7 +336,7 @@
             </a:ln>
             <a:extLst>
               <a:ext uri="{91240B29-F687-4f45-9708-019B960494DF}">
-                <a14:hiddenLine xmlns="" xmlns:a14="http://schemas.microsoft.com/office/drawing/2010/main" w="9525">
+                <a14:hiddenLine xmlns:a14="http://schemas.microsoft.com/office/drawing/2010/main" xmlns="" w="9525">
                   <a:solidFill>
                     <a:srgbClr val="000000"/>
                   </a:solidFill>
@@ -426,7 +426,7 @@
             </a:ln>
             <a:extLst>
               <a:ext uri="{91240B29-F687-4f45-9708-019B960494DF}">
-                <a14:hiddenLine xmlns="" xmlns:a14="http://schemas.microsoft.com/office/drawing/2010/main" w="9525">
+                <a14:hiddenLine xmlns:a14="http://schemas.microsoft.com/office/drawing/2010/main" xmlns="" w="9525">
                   <a:solidFill>
                     <a:srgbClr val="000000"/>
                   </a:solidFill>
@@ -460,7 +460,7 @@
             </a:ln>
             <a:extLst>
               <a:ext uri="{91240B29-F687-4f45-9708-019B960494DF}">
-                <a14:hiddenLine xmlns="" xmlns:a14="http://schemas.microsoft.com/office/drawing/2010/main" w="9525">
+                <a14:hiddenLine xmlns:a14="http://schemas.microsoft.com/office/drawing/2010/main" xmlns="" w="9525">
                   <a:solidFill>
                     <a:srgbClr val="000000"/>
                   </a:solidFill>
@@ -550,7 +550,7 @@
             </a:ln>
             <a:extLst>
               <a:ext uri="{91240B29-F687-4f45-9708-019B960494DF}">
-                <a14:hiddenLine xmlns="" xmlns:a14="http://schemas.microsoft.com/office/drawing/2010/main" w="9525">
+                <a14:hiddenLine xmlns:a14="http://schemas.microsoft.com/office/drawing/2010/main" xmlns="" w="9525">
                   <a:solidFill>
                     <a:srgbClr val="000000"/>
                   </a:solidFill>
@@ -612,7 +612,7 @@
             </a:ln>
             <a:extLst>
               <a:ext uri="{91240B29-F687-4f45-9708-019B960494DF}">
-                <a14:hiddenLine xmlns="" xmlns:a14="http://schemas.microsoft.com/office/drawing/2010/main" w="9525">
+                <a14:hiddenLine xmlns:a14="http://schemas.microsoft.com/office/drawing/2010/main" xmlns="" w="9525">
                   <a:solidFill>
                     <a:srgbClr val="000000"/>
                   </a:solidFill>
@@ -674,7 +674,7 @@
             </a:ln>
             <a:extLst>
               <a:ext uri="{91240B29-F687-4f45-9708-019B960494DF}">
-                <a14:hiddenLine xmlns="" xmlns:a14="http://schemas.microsoft.com/office/drawing/2010/main" w="9525">
+                <a14:hiddenLine xmlns:a14="http://schemas.microsoft.com/office/drawing/2010/main" xmlns="" w="9525">
                   <a:solidFill>
                     <a:srgbClr val="000000"/>
                   </a:solidFill>
@@ -764,7 +764,7 @@
             </a:ln>
             <a:extLst>
               <a:ext uri="{91240B29-F687-4f45-9708-019B960494DF}">
-                <a14:hiddenLine xmlns="" xmlns:a14="http://schemas.microsoft.com/office/drawing/2010/main" w="9525">
+                <a14:hiddenLine xmlns:a14="http://schemas.microsoft.com/office/drawing/2010/main" xmlns="" w="9525">
                   <a:solidFill>
                     <a:srgbClr val="000000"/>
                   </a:solidFill>
@@ -826,7 +826,7 @@
             </a:ln>
             <a:extLst>
               <a:ext uri="{91240B29-F687-4f45-9708-019B960494DF}">
-                <a14:hiddenLine xmlns="" xmlns:a14="http://schemas.microsoft.com/office/drawing/2010/main" w="9525">
+                <a14:hiddenLine xmlns:a14="http://schemas.microsoft.com/office/drawing/2010/main" xmlns="" w="9525">
                   <a:solidFill>
                     <a:srgbClr val="000000"/>
                   </a:solidFill>
@@ -888,7 +888,7 @@
             </a:ln>
             <a:extLst>
               <a:ext uri="{91240B29-F687-4f45-9708-019B960494DF}">
-                <a14:hiddenLine xmlns="" xmlns:a14="http://schemas.microsoft.com/office/drawing/2010/main" w="9525">
+                <a14:hiddenLine xmlns:a14="http://schemas.microsoft.com/office/drawing/2010/main" xmlns="" w="9525">
                   <a:solidFill>
                     <a:srgbClr val="000000"/>
                   </a:solidFill>
@@ -978,7 +978,7 @@
             </a:ln>
             <a:extLst>
               <a:ext uri="{91240B29-F687-4f45-9708-019B960494DF}">
-                <a14:hiddenLine xmlns="" xmlns:a14="http://schemas.microsoft.com/office/drawing/2010/main" w="9525">
+                <a14:hiddenLine xmlns:a14="http://schemas.microsoft.com/office/drawing/2010/main" xmlns="" w="9525">
                   <a:solidFill>
                     <a:srgbClr val="000000"/>
                   </a:solidFill>
@@ -1068,7 +1068,7 @@
             </a:ln>
             <a:extLst>
               <a:ext uri="{91240B29-F687-4f45-9708-019B960494DF}">
-                <a14:hiddenLine xmlns="" xmlns:a14="http://schemas.microsoft.com/office/drawing/2010/main" w="9525">
+                <a14:hiddenLine xmlns:a14="http://schemas.microsoft.com/office/drawing/2010/main" xmlns="" w="9525">
                   <a:solidFill>
                     <a:srgbClr val="000000"/>
                   </a:solidFill>
@@ -1130,7 +1130,7 @@
             </a:ln>
             <a:extLst>
               <a:ext uri="{91240B29-F687-4f45-9708-019B960494DF}">
-                <a14:hiddenLine xmlns="" xmlns:a14="http://schemas.microsoft.com/office/drawing/2010/main" w="9525">
+                <a14:hiddenLine xmlns:a14="http://schemas.microsoft.com/office/drawing/2010/main" xmlns="" w="9525">
                   <a:solidFill>
                     <a:srgbClr val="000000"/>
                   </a:solidFill>
@@ -1240,7 +1240,7 @@
             </a:ln>
             <a:extLst>
               <a:ext uri="{91240B29-F687-4f45-9708-019B960494DF}">
-                <a14:hiddenLine xmlns="" xmlns:a14="http://schemas.microsoft.com/office/drawing/2010/main" w="9525">
+                <a14:hiddenLine xmlns:a14="http://schemas.microsoft.com/office/drawing/2010/main" xmlns="" w="9525">
                   <a:solidFill>
                     <a:srgbClr val="000000"/>
                   </a:solidFill>
@@ -1302,7 +1302,7 @@
             </a:ln>
             <a:extLst>
               <a:ext uri="{91240B29-F687-4f45-9708-019B960494DF}">
-                <a14:hiddenLine xmlns="" xmlns:a14="http://schemas.microsoft.com/office/drawing/2010/main" w="9525">
+                <a14:hiddenLine xmlns:a14="http://schemas.microsoft.com/office/drawing/2010/main" xmlns="" w="9525">
                   <a:solidFill>
                     <a:srgbClr val="000000"/>
                   </a:solidFill>
@@ -1392,7 +1392,7 @@
             </a:ln>
             <a:extLst>
               <a:ext uri="{91240B29-F687-4f45-9708-019B960494DF}">
-                <a14:hiddenLine xmlns="" xmlns:a14="http://schemas.microsoft.com/office/drawing/2010/main" w="9525">
+                <a14:hiddenLine xmlns:a14="http://schemas.microsoft.com/office/drawing/2010/main" xmlns="" w="9525">
                   <a:solidFill>
                     <a:srgbClr val="000000"/>
                   </a:solidFill>
@@ -1482,7 +1482,7 @@
             </a:ln>
             <a:extLst>
               <a:ext uri="{91240B29-F687-4f45-9708-019B960494DF}">
-                <a14:hiddenLine xmlns="" xmlns:a14="http://schemas.microsoft.com/office/drawing/2010/main" w="9525">
+                <a14:hiddenLine xmlns:a14="http://schemas.microsoft.com/office/drawing/2010/main" xmlns="" w="9525">
                   <a:solidFill>
                     <a:srgbClr val="000000"/>
                   </a:solidFill>
@@ -1544,7 +1544,7 @@
             </a:ln>
             <a:extLst>
               <a:ext uri="{91240B29-F687-4f45-9708-019B960494DF}">
-                <a14:hiddenLine xmlns="" xmlns:a14="http://schemas.microsoft.com/office/drawing/2010/main" w="9525">
+                <a14:hiddenLine xmlns:a14="http://schemas.microsoft.com/office/drawing/2010/main" xmlns="" w="9525">
                   <a:solidFill>
                     <a:srgbClr val="000000"/>
                   </a:solidFill>
@@ -1634,7 +1634,7 @@
             </a:ln>
             <a:extLst>
               <a:ext uri="{91240B29-F687-4f45-9708-019B960494DF}">
-                <a14:hiddenLine xmlns="" xmlns:a14="http://schemas.microsoft.com/office/drawing/2010/main" w="9525">
+                <a14:hiddenLine xmlns:a14="http://schemas.microsoft.com/office/drawing/2010/main" xmlns="" w="9525">
                   <a:solidFill>
                     <a:srgbClr val="000000"/>
                   </a:solidFill>
@@ -1724,7 +1724,7 @@
             </a:ln>
             <a:extLst>
               <a:ext uri="{91240B29-F687-4f45-9708-019B960494DF}">
-                <a14:hiddenLine xmlns="" xmlns:a14="http://schemas.microsoft.com/office/drawing/2010/main" w="9525">
+                <a14:hiddenLine xmlns:a14="http://schemas.microsoft.com/office/drawing/2010/main" xmlns="" w="9525">
                   <a:solidFill>
                     <a:srgbClr val="000000"/>
                   </a:solidFill>
@@ -1780,7 +1780,7 @@
             </a:ln>
             <a:extLst>
               <a:ext uri="{91240B29-F687-4f45-9708-019B960494DF}">
-                <a14:hiddenLine xmlns="" xmlns:a14="http://schemas.microsoft.com/office/drawing/2010/main" w="9525">
+                <a14:hiddenLine xmlns:a14="http://schemas.microsoft.com/office/drawing/2010/main" xmlns="" w="9525">
                   <a:solidFill>
                     <a:srgbClr val="000000"/>
                   </a:solidFill>
@@ -1870,7 +1870,7 @@
             </a:ln>
             <a:extLst>
               <a:ext uri="{91240B29-F687-4f45-9708-019B960494DF}">
-                <a14:hiddenLine xmlns="" xmlns:a14="http://schemas.microsoft.com/office/drawing/2010/main" w="9525">
+                <a14:hiddenLine xmlns:a14="http://schemas.microsoft.com/office/drawing/2010/main" xmlns="" w="9525">
                   <a:solidFill>
                     <a:srgbClr val="000000"/>
                   </a:solidFill>
@@ -1926,7 +1926,7 @@
             </a:ln>
             <a:extLst>
               <a:ext uri="{91240B29-F687-4f45-9708-019B960494DF}">
-                <a14:hiddenLine xmlns="" xmlns:a14="http://schemas.microsoft.com/office/drawing/2010/main" w="9525">
+                <a14:hiddenLine xmlns:a14="http://schemas.microsoft.com/office/drawing/2010/main" xmlns="" w="9525">
                   <a:solidFill>
                     <a:srgbClr val="000000"/>
                   </a:solidFill>
@@ -2016,7 +2016,7 @@
             </a:ln>
             <a:extLst>
               <a:ext uri="{91240B29-F687-4f45-9708-019B960494DF}">
-                <a14:hiddenLine xmlns="" xmlns:a14="http://schemas.microsoft.com/office/drawing/2010/main" w="9525">
+                <a14:hiddenLine xmlns:a14="http://schemas.microsoft.com/office/drawing/2010/main" xmlns="" w="9525">
                   <a:solidFill>
                     <a:srgbClr val="000000"/>
                   </a:solidFill>
@@ -2084,7 +2084,7 @@
             </a:ln>
             <a:extLst>
               <a:ext uri="{91240B29-F687-4f45-9708-019B960494DF}">
-                <a14:hiddenLine xmlns="" xmlns:a14="http://schemas.microsoft.com/office/drawing/2010/main" w="9525">
+                <a14:hiddenLine xmlns:a14="http://schemas.microsoft.com/office/drawing/2010/main" xmlns="" w="9525">
                   <a:solidFill>
                     <a:srgbClr val="000000"/>
                   </a:solidFill>
@@ -2174,7 +2174,7 @@
             </a:ln>
             <a:extLst>
               <a:ext uri="{91240B29-F687-4f45-9708-019B960494DF}">
-                <a14:hiddenLine xmlns="" xmlns:a14="http://schemas.microsoft.com/office/drawing/2010/main" w="9525">
+                <a14:hiddenLine xmlns:a14="http://schemas.microsoft.com/office/drawing/2010/main" xmlns="" w="9525">
                   <a:solidFill>
                     <a:srgbClr val="000000"/>
                   </a:solidFill>
@@ -2242,7 +2242,7 @@
             </a:ln>
             <a:extLst>
               <a:ext uri="{91240B29-F687-4f45-9708-019B960494DF}">
-                <a14:hiddenLine xmlns="" xmlns:a14="http://schemas.microsoft.com/office/drawing/2010/main" w="9525">
+                <a14:hiddenLine xmlns:a14="http://schemas.microsoft.com/office/drawing/2010/main" xmlns="" w="9525">
                   <a:solidFill>
                     <a:srgbClr val="000000"/>
                   </a:solidFill>
@@ -2332,7 +2332,7 @@
             </a:ln>
             <a:extLst>
               <a:ext uri="{91240B29-F687-4f45-9708-019B960494DF}">
-                <a14:hiddenLine xmlns="" xmlns:a14="http://schemas.microsoft.com/office/drawing/2010/main" w="9525">
+                <a14:hiddenLine xmlns:a14="http://schemas.microsoft.com/office/drawing/2010/main" xmlns="" w="9525">
                   <a:solidFill>
                     <a:srgbClr val="000000"/>
                   </a:solidFill>
@@ -2366,7 +2366,7 @@
             </a:ln>
             <a:extLst>
               <a:ext uri="{91240B29-F687-4f45-9708-019B960494DF}">
-                <a14:hiddenLine xmlns="" xmlns:a14="http://schemas.microsoft.com/office/drawing/2010/main" w="9525">
+                <a14:hiddenLine xmlns:a14="http://schemas.microsoft.com/office/drawing/2010/main" xmlns="" w="9525">
                   <a:solidFill>
                     <a:srgbClr val="000000"/>
                   </a:solidFill>
@@ -2456,7 +2456,7 @@
             </a:ln>
             <a:extLst>
               <a:ext uri="{91240B29-F687-4f45-9708-019B960494DF}">
-                <a14:hiddenLine xmlns="" xmlns:a14="http://schemas.microsoft.com/office/drawing/2010/main" w="9525">
+                <a14:hiddenLine xmlns:a14="http://schemas.microsoft.com/office/drawing/2010/main" xmlns="" w="9525">
                   <a:solidFill>
                     <a:srgbClr val="000000"/>
                   </a:solidFill>
@@ -2518,7 +2518,7 @@
             </a:ln>
             <a:extLst>
               <a:ext uri="{91240B29-F687-4f45-9708-019B960494DF}">
-                <a14:hiddenLine xmlns="" xmlns:a14="http://schemas.microsoft.com/office/drawing/2010/main" w="9525">
+                <a14:hiddenLine xmlns:a14="http://schemas.microsoft.com/office/drawing/2010/main" xmlns="" w="9525">
                   <a:solidFill>
                     <a:srgbClr val="000000"/>
                   </a:solidFill>
@@ -2580,7 +2580,7 @@
             </a:ln>
             <a:extLst>
               <a:ext uri="{91240B29-F687-4f45-9708-019B960494DF}">
-                <a14:hiddenLine xmlns="" xmlns:a14="http://schemas.microsoft.com/office/drawing/2010/main" w="9525">
+                <a14:hiddenLine xmlns:a14="http://schemas.microsoft.com/office/drawing/2010/main" xmlns="" w="9525">
                   <a:solidFill>
                     <a:srgbClr val="000000"/>
                   </a:solidFill>
@@ -2670,7 +2670,7 @@
             </a:ln>
             <a:extLst>
               <a:ext uri="{91240B29-F687-4f45-9708-019B960494DF}">
-                <a14:hiddenLine xmlns="" xmlns:a14="http://schemas.microsoft.com/office/drawing/2010/main" w="9525">
+                <a14:hiddenLine xmlns:a14="http://schemas.microsoft.com/office/drawing/2010/main" xmlns="" w="9525">
                   <a:solidFill>
                     <a:srgbClr val="000000"/>
                   </a:solidFill>
@@ -2738,7 +2738,7 @@
             </a:ln>
             <a:extLst>
               <a:ext uri="{91240B29-F687-4f45-9708-019B960494DF}">
-                <a14:hiddenLine xmlns="" xmlns:a14="http://schemas.microsoft.com/office/drawing/2010/main" w="9525">
+                <a14:hiddenLine xmlns:a14="http://schemas.microsoft.com/office/drawing/2010/main" xmlns="" w="9525">
                   <a:solidFill>
                     <a:srgbClr val="000000"/>
                   </a:solidFill>
@@ -2800,7 +2800,7 @@
             </a:ln>
             <a:extLst>
               <a:ext uri="{91240B29-F687-4f45-9708-019B960494DF}">
-                <a14:hiddenLine xmlns="" xmlns:a14="http://schemas.microsoft.com/office/drawing/2010/main" w="9525">
+                <a14:hiddenLine xmlns:a14="http://schemas.microsoft.com/office/drawing/2010/main" xmlns="" w="9525">
                   <a:solidFill>
                     <a:srgbClr val="000000"/>
                   </a:solidFill>
@@ -2890,7 +2890,7 @@
             </a:ln>
             <a:extLst>
               <a:ext uri="{91240B29-F687-4f45-9708-019B960494DF}">
-                <a14:hiddenLine xmlns="" xmlns:a14="http://schemas.microsoft.com/office/drawing/2010/main" w="9525">
+                <a14:hiddenLine xmlns:a14="http://schemas.microsoft.com/office/drawing/2010/main" xmlns="" w="9525">
                   <a:solidFill>
                     <a:srgbClr val="000000"/>
                   </a:solidFill>
@@ -2952,7 +2952,7 @@
             </a:ln>
             <a:extLst>
               <a:ext uri="{91240B29-F687-4f45-9708-019B960494DF}">
-                <a14:hiddenLine xmlns="" xmlns:a14="http://schemas.microsoft.com/office/drawing/2010/main" w="9525">
+                <a14:hiddenLine xmlns:a14="http://schemas.microsoft.com/office/drawing/2010/main" xmlns="" w="9525">
                   <a:solidFill>
                     <a:srgbClr val="000000"/>
                   </a:solidFill>
@@ -3042,7 +3042,7 @@
             </a:ln>
             <a:extLst>
               <a:ext uri="{91240B29-F687-4f45-9708-019B960494DF}">
-                <a14:hiddenLine xmlns="" xmlns:a14="http://schemas.microsoft.com/office/drawing/2010/main" w="9525">
+                <a14:hiddenLine xmlns:a14="http://schemas.microsoft.com/office/drawing/2010/main" xmlns="" w="9525">
                   <a:solidFill>
                     <a:srgbClr val="000000"/>
                   </a:solidFill>
@@ -3104,7 +3104,7 @@
             </a:ln>
             <a:extLst>
               <a:ext uri="{91240B29-F687-4f45-9708-019B960494DF}">
-                <a14:hiddenLine xmlns="" xmlns:a14="http://schemas.microsoft.com/office/drawing/2010/main" w="9525">
+                <a14:hiddenLine xmlns:a14="http://schemas.microsoft.com/office/drawing/2010/main" xmlns="" w="9525">
                   <a:solidFill>
                     <a:srgbClr val="000000"/>
                   </a:solidFill>
@@ -3194,7 +3194,7 @@
             </a:ln>
             <a:extLst>
               <a:ext uri="{91240B29-F687-4f45-9708-019B960494DF}">
-                <a14:hiddenLine xmlns="" xmlns:a14="http://schemas.microsoft.com/office/drawing/2010/main" w="9525">
+                <a14:hiddenLine xmlns:a14="http://schemas.microsoft.com/office/drawing/2010/main" xmlns="" w="9525">
                   <a:solidFill>
                     <a:srgbClr val="000000"/>
                   </a:solidFill>
@@ -3228,7 +3228,7 @@
             </a:ln>
             <a:extLst>
               <a:ext uri="{91240B29-F687-4f45-9708-019B960494DF}">
-                <a14:hiddenLine xmlns="" xmlns:a14="http://schemas.microsoft.com/office/drawing/2010/main" w="9525">
+                <a14:hiddenLine xmlns:a14="http://schemas.microsoft.com/office/drawing/2010/main" xmlns="" w="9525">
                   <a:solidFill>
                     <a:srgbClr val="000000"/>
                   </a:solidFill>
@@ -3293,7 +3293,7 @@
             </a:ln>
             <a:extLst>
               <a:ext uri="{91240B29-F687-4f45-9708-019B960494DF}">
-                <a14:hiddenLine xmlns="" xmlns:a14="http://schemas.microsoft.com/office/drawing/2010/main" w="9525">
+                <a14:hiddenLine xmlns:a14="http://schemas.microsoft.com/office/drawing/2010/main" xmlns="" w="9525">
                   <a:solidFill>
                     <a:srgbClr val="000000"/>
                   </a:solidFill>
@@ -3383,7 +3383,7 @@
             </a:ln>
             <a:extLst>
               <a:ext uri="{91240B29-F687-4f45-9708-019B960494DF}">
-                <a14:hiddenLine xmlns="" xmlns:a14="http://schemas.microsoft.com/office/drawing/2010/main" w="9525">
+                <a14:hiddenLine xmlns:a14="http://schemas.microsoft.com/office/drawing/2010/main" xmlns="" w="9525">
                   <a:solidFill>
                     <a:srgbClr val="000000"/>
                   </a:solidFill>
@@ -3445,7 +3445,7 @@
             </a:ln>
             <a:extLst>
               <a:ext uri="{91240B29-F687-4f45-9708-019B960494DF}">
-                <a14:hiddenLine xmlns="" xmlns:a14="http://schemas.microsoft.com/office/drawing/2010/main" w="9525">
+                <a14:hiddenLine xmlns:a14="http://schemas.microsoft.com/office/drawing/2010/main" xmlns="" w="9525">
                   <a:solidFill>
                     <a:srgbClr val="000000"/>
                   </a:solidFill>
@@ -3535,7 +3535,7 @@
             </a:ln>
             <a:extLst>
               <a:ext uri="{91240B29-F687-4f45-9708-019B960494DF}">
-                <a14:hiddenLine xmlns="" xmlns:a14="http://schemas.microsoft.com/office/drawing/2010/main" w="9525">
+                <a14:hiddenLine xmlns:a14="http://schemas.microsoft.com/office/drawing/2010/main" xmlns="" w="9525">
                   <a:solidFill>
                     <a:srgbClr val="000000"/>
                   </a:solidFill>
@@ -3625,7 +3625,7 @@
             </a:ln>
             <a:extLst>
               <a:ext uri="{91240B29-F687-4f45-9708-019B960494DF}">
-                <a14:hiddenLine xmlns="" xmlns:a14="http://schemas.microsoft.com/office/drawing/2010/main" w="9525">
+                <a14:hiddenLine xmlns:a14="http://schemas.microsoft.com/office/drawing/2010/main" xmlns="" w="9525">
                   <a:solidFill>
                     <a:srgbClr val="000000"/>
                   </a:solidFill>
@@ -3690,7 +3690,7 @@
             </a:ln>
             <a:extLst>
               <a:ext uri="{91240B29-F687-4f45-9708-019B960494DF}">
-                <a14:hiddenLine xmlns="" xmlns:a14="http://schemas.microsoft.com/office/drawing/2010/main" w="9525">
+                <a14:hiddenLine xmlns:a14="http://schemas.microsoft.com/office/drawing/2010/main" xmlns="" w="9525">
                   <a:solidFill>
                     <a:srgbClr val="000000"/>
                   </a:solidFill>
@@ -3752,7 +3752,7 @@
             </a:ln>
             <a:extLst>
               <a:ext uri="{91240B29-F687-4f45-9708-019B960494DF}">
-                <a14:hiddenLine xmlns="" xmlns:a14="http://schemas.microsoft.com/office/drawing/2010/main" w="9525">
+                <a14:hiddenLine xmlns:a14="http://schemas.microsoft.com/office/drawing/2010/main" xmlns="" w="9525">
                   <a:solidFill>
                     <a:srgbClr val="000000"/>
                   </a:solidFill>
@@ -3842,7 +3842,7 @@
             </a:ln>
             <a:extLst>
               <a:ext uri="{91240B29-F687-4f45-9708-019B960494DF}">
-                <a14:hiddenLine xmlns="" xmlns:a14="http://schemas.microsoft.com/office/drawing/2010/main" w="9525">
+                <a14:hiddenLine xmlns:a14="http://schemas.microsoft.com/office/drawing/2010/main" xmlns="" w="9525">
                   <a:solidFill>
                     <a:srgbClr val="000000"/>
                   </a:solidFill>
@@ -3932,7 +3932,7 @@
             </a:ln>
             <a:extLst>
               <a:ext uri="{91240B29-F687-4f45-9708-019B960494DF}">
-                <a14:hiddenLine xmlns="" xmlns:a14="http://schemas.microsoft.com/office/drawing/2010/main" w="9525">
+                <a14:hiddenLine xmlns:a14="http://schemas.microsoft.com/office/drawing/2010/main" xmlns="" w="9525">
                   <a:solidFill>
                     <a:srgbClr val="000000"/>
                   </a:solidFill>
@@ -3994,7 +3994,7 @@
             </a:ln>
             <a:extLst>
               <a:ext uri="{91240B29-F687-4f45-9708-019B960494DF}">
-                <a14:hiddenLine xmlns="" xmlns:a14="http://schemas.microsoft.com/office/drawing/2010/main" w="9525">
+                <a14:hiddenLine xmlns:a14="http://schemas.microsoft.com/office/drawing/2010/main" xmlns="" w="9525">
                   <a:solidFill>
                     <a:srgbClr val="000000"/>
                   </a:solidFill>
@@ -4114,7 +4114,7 @@
             </a:ln>
             <a:extLst>
               <a:ext uri="{91240B29-F687-4f45-9708-019B960494DF}">
-                <a14:hiddenLine xmlns="" xmlns:a14="http://schemas.microsoft.com/office/drawing/2010/main" w="9525">
+                <a14:hiddenLine xmlns:a14="http://schemas.microsoft.com/office/drawing/2010/main" xmlns="" w="9525">
                   <a:solidFill>
                     <a:srgbClr val="000000"/>
                   </a:solidFill>
@@ -4182,7 +4182,7 @@
             </a:ln>
             <a:extLst>
               <a:ext uri="{91240B29-F687-4f45-9708-019B960494DF}">
-                <a14:hiddenLine xmlns="" xmlns:a14="http://schemas.microsoft.com/office/drawing/2010/main" w="9525">
+                <a14:hiddenLine xmlns:a14="http://schemas.microsoft.com/office/drawing/2010/main" xmlns="" w="9525">
                   <a:solidFill>
                     <a:srgbClr val="000000"/>
                   </a:solidFill>
@@ -4272,7 +4272,7 @@
             </a:ln>
             <a:extLst>
               <a:ext uri="{91240B29-F687-4f45-9708-019B960494DF}">
-                <a14:hiddenLine xmlns="" xmlns:a14="http://schemas.microsoft.com/office/drawing/2010/main" w="9525">
+                <a14:hiddenLine xmlns:a14="http://schemas.microsoft.com/office/drawing/2010/main" xmlns="" w="9525">
                   <a:solidFill>
                     <a:srgbClr val="000000"/>
                   </a:solidFill>
@@ -4412,7 +4412,7 @@
           <a:p>
             <a:fld id="{9B0DB4BE-B0DF-4F48-87CD-B496B8F4D31A}" type="datetimeFigureOut">
               <a:rPr lang="en-US" smtClean="0"/>
-              <a:t>11/7/2020</a:t>
+              <a:t>11/11/2020</a:t>
             </a:fld>
             <a:endParaRPr lang="en-US"/>
           </a:p>
@@ -4679,7 +4679,7 @@
           <a:p>
             <a:fld id="{9B0DB4BE-B0DF-4F48-87CD-B496B8F4D31A}" type="datetimeFigureOut">
               <a:rPr lang="en-US" smtClean="0"/>
-              <a:t>11/7/2020</a:t>
+              <a:t>11/11/2020</a:t>
             </a:fld>
             <a:endParaRPr lang="en-US"/>
           </a:p>
@@ -4875,7 +4875,7 @@
           <a:p>
             <a:fld id="{9B0DB4BE-B0DF-4F48-87CD-B496B8F4D31A}" type="datetimeFigureOut">
               <a:rPr lang="en-US" smtClean="0"/>
-              <a:t>11/7/2020</a:t>
+              <a:t>11/11/2020</a:t>
             </a:fld>
             <a:endParaRPr lang="en-US"/>
           </a:p>
@@ -5138,7 +5138,7 @@
           <a:p>
             <a:fld id="{9B0DB4BE-B0DF-4F48-87CD-B496B8F4D31A}" type="datetimeFigureOut">
               <a:rPr lang="en-US" smtClean="0"/>
-              <a:t>11/7/2020</a:t>
+              <a:t>11/11/2020</a:t>
             </a:fld>
             <a:endParaRPr lang="en-US"/>
           </a:p>
@@ -5572,7 +5572,7 @@
           <a:p>
             <a:fld id="{9B0DB4BE-B0DF-4F48-87CD-B496B8F4D31A}" type="datetimeFigureOut">
               <a:rPr lang="en-US" smtClean="0"/>
-              <a:t>11/7/2020</a:t>
+              <a:t>11/11/2020</a:t>
             </a:fld>
             <a:endParaRPr lang="en-US"/>
           </a:p>
@@ -6118,7 +6118,7 @@
           <a:p>
             <a:fld id="{9B0DB4BE-B0DF-4F48-87CD-B496B8F4D31A}" type="datetimeFigureOut">
               <a:rPr lang="en-US" smtClean="0"/>
-              <a:t>11/7/2020</a:t>
+              <a:t>11/11/2020</a:t>
             </a:fld>
             <a:endParaRPr lang="en-US"/>
           </a:p>
@@ -6838,7 +6838,7 @@
           <a:p>
             <a:fld id="{9B0DB4BE-B0DF-4F48-87CD-B496B8F4D31A}" type="datetimeFigureOut">
               <a:rPr lang="en-US" smtClean="0"/>
-              <a:t>11/7/2020</a:t>
+              <a:t>11/11/2020</a:t>
             </a:fld>
             <a:endParaRPr lang="en-US"/>
           </a:p>
@@ -7008,7 +7008,7 @@
           <a:p>
             <a:fld id="{9B0DB4BE-B0DF-4F48-87CD-B496B8F4D31A}" type="datetimeFigureOut">
               <a:rPr lang="en-US" smtClean="0"/>
-              <a:t>11/7/2020</a:t>
+              <a:t>11/11/2020</a:t>
             </a:fld>
             <a:endParaRPr lang="en-US"/>
           </a:p>
@@ -7188,7 +7188,7 @@
           <a:p>
             <a:fld id="{9B0DB4BE-B0DF-4F48-87CD-B496B8F4D31A}" type="datetimeFigureOut">
               <a:rPr lang="en-US" smtClean="0"/>
-              <a:t>11/7/2020</a:t>
+              <a:t>11/11/2020</a:t>
             </a:fld>
             <a:endParaRPr lang="en-US"/>
           </a:p>
@@ -7358,7 +7358,7 @@
           <a:p>
             <a:fld id="{9B0DB4BE-B0DF-4F48-87CD-B496B8F4D31A}" type="datetimeFigureOut">
               <a:rPr lang="en-US" smtClean="0"/>
-              <a:t>11/7/2020</a:t>
+              <a:t>11/11/2020</a:t>
             </a:fld>
             <a:endParaRPr lang="en-US"/>
           </a:p>
@@ -7608,7 +7608,7 @@
           <a:p>
             <a:fld id="{9B0DB4BE-B0DF-4F48-87CD-B496B8F4D31A}" type="datetimeFigureOut">
               <a:rPr lang="en-US" smtClean="0"/>
-              <a:t>11/7/2020</a:t>
+              <a:t>11/11/2020</a:t>
             </a:fld>
             <a:endParaRPr lang="en-US"/>
           </a:p>
@@ -7840,7 +7840,7 @@
           <a:p>
             <a:fld id="{9B0DB4BE-B0DF-4F48-87CD-B496B8F4D31A}" type="datetimeFigureOut">
               <a:rPr lang="en-US" smtClean="0"/>
-              <a:t>11/7/2020</a:t>
+              <a:t>11/11/2020</a:t>
             </a:fld>
             <a:endParaRPr lang="en-US"/>
           </a:p>
@@ -8221,7 +8221,7 @@
           <a:p>
             <a:fld id="{9B0DB4BE-B0DF-4F48-87CD-B496B8F4D31A}" type="datetimeFigureOut">
               <a:rPr lang="en-US" smtClean="0"/>
-              <a:t>11/7/2020</a:t>
+              <a:t>11/11/2020</a:t>
             </a:fld>
             <a:endParaRPr lang="en-US"/>
           </a:p>
@@ -8339,7 +8339,7 @@
           <a:p>
             <a:fld id="{9B0DB4BE-B0DF-4F48-87CD-B496B8F4D31A}" type="datetimeFigureOut">
               <a:rPr lang="en-US" smtClean="0"/>
-              <a:t>11/7/2020</a:t>
+              <a:t>11/11/2020</a:t>
             </a:fld>
             <a:endParaRPr lang="en-US"/>
           </a:p>
@@ -8434,7 +8434,7 @@
           <a:p>
             <a:fld id="{9B0DB4BE-B0DF-4F48-87CD-B496B8F4D31A}" type="datetimeFigureOut">
               <a:rPr lang="en-US" smtClean="0"/>
-              <a:t>11/7/2020</a:t>
+              <a:t>11/11/2020</a:t>
             </a:fld>
             <a:endParaRPr lang="en-US"/>
           </a:p>
@@ -8683,7 +8683,7 @@
           <a:p>
             <a:fld id="{9B0DB4BE-B0DF-4F48-87CD-B496B8F4D31A}" type="datetimeFigureOut">
               <a:rPr lang="en-US" smtClean="0"/>
-              <a:t>11/7/2020</a:t>
+              <a:t>11/11/2020</a:t>
             </a:fld>
             <a:endParaRPr lang="en-US"/>
           </a:p>
@@ -8963,7 +8963,7 @@
           <a:p>
             <a:fld id="{9B0DB4BE-B0DF-4F48-87CD-B496B8F4D31A}" type="datetimeFigureOut">
               <a:rPr lang="en-US" smtClean="0"/>
-              <a:t>11/7/2020</a:t>
+              <a:t>11/11/2020</a:t>
             </a:fld>
             <a:endParaRPr lang="en-US"/>
           </a:p>
@@ -9079,7 +9079,7 @@
           <a:noFill/>
           <a:extLst>
             <a:ext uri="{909E8E84-426E-40dd-AFC4-6F175D3DCCD1}">
-              <a14:hiddenFill xmlns="" xmlns:a14="http://schemas.microsoft.com/office/drawing/2010/main">
+              <a14:hiddenFill xmlns:a14="http://schemas.microsoft.com/office/drawing/2010/main" xmlns="">
                 <a:solidFill>
                   <a:srgbClr val="FFFFFF"/>
                 </a:solidFill>
@@ -9153,7 +9153,7 @@
               </a:ln>
               <a:extLst>
                 <a:ext uri="{91240B29-F687-4f45-9708-019B960494DF}">
-                  <a14:hiddenLine xmlns="" xmlns:a14="http://schemas.microsoft.com/office/drawing/2010/main" w="9525">
+                  <a14:hiddenLine xmlns:a14="http://schemas.microsoft.com/office/drawing/2010/main" xmlns="" w="9525">
                     <a:solidFill>
                       <a:srgbClr val="000000"/>
                     </a:solidFill>
@@ -9243,7 +9243,7 @@
               </a:ln>
               <a:extLst>
                 <a:ext uri="{91240B29-F687-4f45-9708-019B960494DF}">
-                  <a14:hiddenLine xmlns="" xmlns:a14="http://schemas.microsoft.com/office/drawing/2010/main" w="9525">
+                  <a14:hiddenLine xmlns:a14="http://schemas.microsoft.com/office/drawing/2010/main" xmlns="" w="9525">
                     <a:solidFill>
                       <a:srgbClr val="000000"/>
                     </a:solidFill>
@@ -9333,7 +9333,7 @@
               </a:ln>
               <a:extLst>
                 <a:ext uri="{91240B29-F687-4f45-9708-019B960494DF}">
-                  <a14:hiddenLine xmlns="" xmlns:a14="http://schemas.microsoft.com/office/drawing/2010/main" w="9525">
+                  <a14:hiddenLine xmlns:a14="http://schemas.microsoft.com/office/drawing/2010/main" xmlns="" w="9525">
                     <a:solidFill>
                       <a:srgbClr val="000000"/>
                     </a:solidFill>
@@ -9395,7 +9395,7 @@
               </a:ln>
               <a:extLst>
                 <a:ext uri="{91240B29-F687-4f45-9708-019B960494DF}">
-                  <a14:hiddenLine xmlns="" xmlns:a14="http://schemas.microsoft.com/office/drawing/2010/main" w="9525">
+                  <a14:hiddenLine xmlns:a14="http://schemas.microsoft.com/office/drawing/2010/main" xmlns="" w="9525">
                     <a:solidFill>
                       <a:srgbClr val="000000"/>
                     </a:solidFill>
@@ -9485,7 +9485,7 @@
               </a:ln>
               <a:extLst>
                 <a:ext uri="{91240B29-F687-4f45-9708-019B960494DF}">
-                  <a14:hiddenLine xmlns="" xmlns:a14="http://schemas.microsoft.com/office/drawing/2010/main" w="9525">
+                  <a14:hiddenLine xmlns:a14="http://schemas.microsoft.com/office/drawing/2010/main" xmlns="" w="9525">
                     <a:solidFill>
                       <a:srgbClr val="000000"/>
                     </a:solidFill>
@@ -9547,7 +9547,7 @@
               </a:ln>
               <a:extLst>
                 <a:ext uri="{91240B29-F687-4f45-9708-019B960494DF}">
-                  <a14:hiddenLine xmlns="" xmlns:a14="http://schemas.microsoft.com/office/drawing/2010/main" w="9525">
+                  <a14:hiddenLine xmlns:a14="http://schemas.microsoft.com/office/drawing/2010/main" xmlns="" w="9525">
                     <a:solidFill>
                       <a:srgbClr val="000000"/>
                     </a:solidFill>
@@ -9609,7 +9609,7 @@
               </a:ln>
               <a:extLst>
                 <a:ext uri="{91240B29-F687-4f45-9708-019B960494DF}">
-                  <a14:hiddenLine xmlns="" xmlns:a14="http://schemas.microsoft.com/office/drawing/2010/main" w="9525">
+                  <a14:hiddenLine xmlns:a14="http://schemas.microsoft.com/office/drawing/2010/main" xmlns="" w="9525">
                     <a:solidFill>
                       <a:srgbClr val="000000"/>
                     </a:solidFill>
@@ -9699,7 +9699,7 @@
               </a:ln>
               <a:extLst>
                 <a:ext uri="{91240B29-F687-4f45-9708-019B960494DF}">
-                  <a14:hiddenLine xmlns="" xmlns:a14="http://schemas.microsoft.com/office/drawing/2010/main" w="9525">
+                  <a14:hiddenLine xmlns:a14="http://schemas.microsoft.com/office/drawing/2010/main" xmlns="" w="9525">
                     <a:solidFill>
                       <a:srgbClr val="000000"/>
                     </a:solidFill>
@@ -9789,7 +9789,7 @@
               </a:ln>
               <a:extLst>
                 <a:ext uri="{91240B29-F687-4f45-9708-019B960494DF}">
-                  <a14:hiddenLine xmlns="" xmlns:a14="http://schemas.microsoft.com/office/drawing/2010/main" w="9525">
+                  <a14:hiddenLine xmlns:a14="http://schemas.microsoft.com/office/drawing/2010/main" xmlns="" w="9525">
                     <a:solidFill>
                       <a:srgbClr val="000000"/>
                     </a:solidFill>
@@ -9851,7 +9851,7 @@
               </a:ln>
               <a:extLst>
                 <a:ext uri="{91240B29-F687-4f45-9708-019B960494DF}">
-                  <a14:hiddenLine xmlns="" xmlns:a14="http://schemas.microsoft.com/office/drawing/2010/main" w="9525">
+                  <a14:hiddenLine xmlns:a14="http://schemas.microsoft.com/office/drawing/2010/main" xmlns="" w="9525">
                     <a:solidFill>
                       <a:srgbClr val="000000"/>
                     </a:solidFill>
@@ -9961,7 +9961,7 @@
               </a:ln>
               <a:extLst>
                 <a:ext uri="{91240B29-F687-4f45-9708-019B960494DF}">
-                  <a14:hiddenLine xmlns="" xmlns:a14="http://schemas.microsoft.com/office/drawing/2010/main" w="9525">
+                  <a14:hiddenLine xmlns:a14="http://schemas.microsoft.com/office/drawing/2010/main" xmlns="" w="9525">
                     <a:solidFill>
                       <a:srgbClr val="000000"/>
                     </a:solidFill>
@@ -10045,7 +10045,7 @@
               </a:ln>
               <a:extLst>
                 <a:ext uri="{91240B29-F687-4f45-9708-019B960494DF}">
-                  <a14:hiddenLine xmlns="" xmlns:a14="http://schemas.microsoft.com/office/drawing/2010/main" w="9525">
+                  <a14:hiddenLine xmlns:a14="http://schemas.microsoft.com/office/drawing/2010/main" xmlns="" w="9525">
                     <a:solidFill>
                       <a:srgbClr val="000000"/>
                     </a:solidFill>
@@ -10107,7 +10107,7 @@
               </a:ln>
               <a:extLst>
                 <a:ext uri="{91240B29-F687-4f45-9708-019B960494DF}">
-                  <a14:hiddenLine xmlns="" xmlns:a14="http://schemas.microsoft.com/office/drawing/2010/main" w="9525">
+                  <a14:hiddenLine xmlns:a14="http://schemas.microsoft.com/office/drawing/2010/main" xmlns="" w="9525">
                     <a:solidFill>
                       <a:srgbClr val="000000"/>
                     </a:solidFill>
@@ -10169,7 +10169,7 @@
               </a:ln>
               <a:extLst>
                 <a:ext uri="{91240B29-F687-4f45-9708-019B960494DF}">
-                  <a14:hiddenLine xmlns="" xmlns:a14="http://schemas.microsoft.com/office/drawing/2010/main" w="9525">
+                  <a14:hiddenLine xmlns:a14="http://schemas.microsoft.com/office/drawing/2010/main" xmlns="" w="9525">
                     <a:solidFill>
                       <a:srgbClr val="000000"/>
                     </a:solidFill>
@@ -10259,7 +10259,7 @@
               </a:ln>
               <a:extLst>
                 <a:ext uri="{91240B29-F687-4f45-9708-019B960494DF}">
-                  <a14:hiddenLine xmlns="" xmlns:a14="http://schemas.microsoft.com/office/drawing/2010/main" w="9525">
+                  <a14:hiddenLine xmlns:a14="http://schemas.microsoft.com/office/drawing/2010/main" xmlns="" w="9525">
                     <a:solidFill>
                       <a:srgbClr val="000000"/>
                     </a:solidFill>
@@ -10293,7 +10293,7 @@
               </a:ln>
               <a:extLst>
                 <a:ext uri="{91240B29-F687-4f45-9708-019B960494DF}">
-                  <a14:hiddenLine xmlns="" xmlns:a14="http://schemas.microsoft.com/office/drawing/2010/main" w="9525">
+                  <a14:hiddenLine xmlns:a14="http://schemas.microsoft.com/office/drawing/2010/main" xmlns="" w="9525">
                     <a:solidFill>
                       <a:srgbClr val="000000"/>
                     </a:solidFill>
@@ -10358,7 +10358,7 @@
               </a:ln>
               <a:extLst>
                 <a:ext uri="{91240B29-F687-4f45-9708-019B960494DF}">
-                  <a14:hiddenLine xmlns="" xmlns:a14="http://schemas.microsoft.com/office/drawing/2010/main" w="9525">
+                  <a14:hiddenLine xmlns:a14="http://schemas.microsoft.com/office/drawing/2010/main" xmlns="" w="9525">
                     <a:solidFill>
                       <a:srgbClr val="000000"/>
                     </a:solidFill>
@@ -10448,7 +10448,7 @@
               </a:ln>
               <a:extLst>
                 <a:ext uri="{91240B29-F687-4f45-9708-019B960494DF}">
-                  <a14:hiddenLine xmlns="" xmlns:a14="http://schemas.microsoft.com/office/drawing/2010/main" w="9525">
+                  <a14:hiddenLine xmlns:a14="http://schemas.microsoft.com/office/drawing/2010/main" xmlns="" w="9525">
                     <a:solidFill>
                       <a:srgbClr val="000000"/>
                     </a:solidFill>
@@ -10510,7 +10510,7 @@
               </a:ln>
               <a:extLst>
                 <a:ext uri="{91240B29-F687-4f45-9708-019B960494DF}">
-                  <a14:hiddenLine xmlns="" xmlns:a14="http://schemas.microsoft.com/office/drawing/2010/main" w="9525">
+                  <a14:hiddenLine xmlns:a14="http://schemas.microsoft.com/office/drawing/2010/main" xmlns="" w="9525">
                     <a:solidFill>
                       <a:srgbClr val="000000"/>
                     </a:solidFill>
@@ -10600,7 +10600,7 @@
               </a:ln>
               <a:extLst>
                 <a:ext uri="{91240B29-F687-4f45-9708-019B960494DF}">
-                  <a14:hiddenLine xmlns="" xmlns:a14="http://schemas.microsoft.com/office/drawing/2010/main" w="9525">
+                  <a14:hiddenLine xmlns:a14="http://schemas.microsoft.com/office/drawing/2010/main" xmlns="" w="9525">
                     <a:solidFill>
                       <a:srgbClr val="000000"/>
                     </a:solidFill>
@@ -10665,7 +10665,7 @@
               </a:ln>
               <a:extLst>
                 <a:ext uri="{91240B29-F687-4f45-9708-019B960494DF}">
-                  <a14:hiddenLine xmlns="" xmlns:a14="http://schemas.microsoft.com/office/drawing/2010/main" w="9525">
+                  <a14:hiddenLine xmlns:a14="http://schemas.microsoft.com/office/drawing/2010/main" xmlns="" w="9525">
                     <a:solidFill>
                       <a:srgbClr val="000000"/>
                     </a:solidFill>
@@ -10727,7 +10727,7 @@
               </a:ln>
               <a:extLst>
                 <a:ext uri="{91240B29-F687-4f45-9708-019B960494DF}">
-                  <a14:hiddenLine xmlns="" xmlns:a14="http://schemas.microsoft.com/office/drawing/2010/main" w="9525">
+                  <a14:hiddenLine xmlns:a14="http://schemas.microsoft.com/office/drawing/2010/main" xmlns="" w="9525">
                     <a:solidFill>
                       <a:srgbClr val="000000"/>
                     </a:solidFill>
@@ -10817,7 +10817,7 @@
               </a:ln>
               <a:extLst>
                 <a:ext uri="{91240B29-F687-4f45-9708-019B960494DF}">
-                  <a14:hiddenLine xmlns="" xmlns:a14="http://schemas.microsoft.com/office/drawing/2010/main" w="9525">
+                  <a14:hiddenLine xmlns:a14="http://schemas.microsoft.com/office/drawing/2010/main" xmlns="" w="9525">
                     <a:solidFill>
                       <a:srgbClr val="000000"/>
                     </a:solidFill>
@@ -10907,7 +10907,7 @@
               </a:ln>
               <a:extLst>
                 <a:ext uri="{91240B29-F687-4f45-9708-019B960494DF}">
-                  <a14:hiddenLine xmlns="" xmlns:a14="http://schemas.microsoft.com/office/drawing/2010/main" w="9525">
+                  <a14:hiddenLine xmlns:a14="http://schemas.microsoft.com/office/drawing/2010/main" xmlns="" w="9525">
                     <a:solidFill>
                       <a:srgbClr val="000000"/>
                     </a:solidFill>
@@ -10972,7 +10972,7 @@
               </a:ln>
               <a:extLst>
                 <a:ext uri="{91240B29-F687-4f45-9708-019B960494DF}">
-                  <a14:hiddenLine xmlns="" xmlns:a14="http://schemas.microsoft.com/office/drawing/2010/main" w="9525">
+                  <a14:hiddenLine xmlns:a14="http://schemas.microsoft.com/office/drawing/2010/main" xmlns="" w="9525">
                     <a:solidFill>
                       <a:srgbClr val="000000"/>
                     </a:solidFill>
@@ -11092,7 +11092,7 @@
               </a:ln>
               <a:extLst>
                 <a:ext uri="{91240B29-F687-4f45-9708-019B960494DF}">
-                  <a14:hiddenLine xmlns="" xmlns:a14="http://schemas.microsoft.com/office/drawing/2010/main" w="9525">
+                  <a14:hiddenLine xmlns:a14="http://schemas.microsoft.com/office/drawing/2010/main" xmlns="" w="9525">
                     <a:solidFill>
                       <a:srgbClr val="000000"/>
                     </a:solidFill>
@@ -11190,7 +11190,7 @@
               </a:ln>
               <a:extLst>
                 <a:ext uri="{91240B29-F687-4f45-9708-019B960494DF}">
-                  <a14:hiddenLine xmlns="" xmlns:a14="http://schemas.microsoft.com/office/drawing/2010/main" w="9525">
+                  <a14:hiddenLine xmlns:a14="http://schemas.microsoft.com/office/drawing/2010/main" xmlns="" w="9525">
                     <a:solidFill>
                       <a:srgbClr val="000000"/>
                     </a:solidFill>
@@ -11305,7 +11305,7 @@
               </a:ln>
               <a:extLst>
                 <a:ext uri="{91240B29-F687-4f45-9708-019B960494DF}">
-                  <a14:hiddenLine xmlns="" xmlns:a14="http://schemas.microsoft.com/office/drawing/2010/main" w="9525">
+                  <a14:hiddenLine xmlns:a14="http://schemas.microsoft.com/office/drawing/2010/main" xmlns="" w="9525">
                     <a:solidFill>
                       <a:srgbClr val="000000"/>
                     </a:solidFill>
@@ -11395,7 +11395,7 @@
               </a:ln>
               <a:extLst>
                 <a:ext uri="{91240B29-F687-4f45-9708-019B960494DF}">
-                  <a14:hiddenLine xmlns="" xmlns:a14="http://schemas.microsoft.com/office/drawing/2010/main" w="9525">
+                  <a14:hiddenLine xmlns:a14="http://schemas.microsoft.com/office/drawing/2010/main" xmlns="" w="9525">
                     <a:solidFill>
                       <a:srgbClr val="000000"/>
                     </a:solidFill>
@@ -11460,7 +11460,7 @@
               </a:ln>
               <a:extLst>
                 <a:ext uri="{91240B29-F687-4f45-9708-019B960494DF}">
-                  <a14:hiddenLine xmlns="" xmlns:a14="http://schemas.microsoft.com/office/drawing/2010/main" w="9525">
+                  <a14:hiddenLine xmlns:a14="http://schemas.microsoft.com/office/drawing/2010/main" xmlns="" w="9525">
                     <a:solidFill>
                       <a:srgbClr val="000000"/>
                     </a:solidFill>
@@ -11550,7 +11550,7 @@
               </a:ln>
               <a:extLst>
                 <a:ext uri="{91240B29-F687-4f45-9708-019B960494DF}">
-                  <a14:hiddenLine xmlns="" xmlns:a14="http://schemas.microsoft.com/office/drawing/2010/main" w="9525">
+                  <a14:hiddenLine xmlns:a14="http://schemas.microsoft.com/office/drawing/2010/main" xmlns="" w="9525">
                     <a:solidFill>
                       <a:srgbClr val="000000"/>
                     </a:solidFill>
@@ -11618,7 +11618,7 @@
               </a:ln>
               <a:extLst>
                 <a:ext uri="{91240B29-F687-4f45-9708-019B960494DF}">
-                  <a14:hiddenLine xmlns="" xmlns:a14="http://schemas.microsoft.com/office/drawing/2010/main" w="9525">
+                  <a14:hiddenLine xmlns:a14="http://schemas.microsoft.com/office/drawing/2010/main" xmlns="" w="9525">
                     <a:solidFill>
                       <a:srgbClr val="000000"/>
                     </a:solidFill>
@@ -11708,7 +11708,7 @@
               </a:ln>
               <a:extLst>
                 <a:ext uri="{91240B29-F687-4f45-9708-019B960494DF}">
-                  <a14:hiddenLine xmlns="" xmlns:a14="http://schemas.microsoft.com/office/drawing/2010/main" w="9525">
+                  <a14:hiddenLine xmlns:a14="http://schemas.microsoft.com/office/drawing/2010/main" xmlns="" w="9525">
                     <a:solidFill>
                       <a:srgbClr val="000000"/>
                     </a:solidFill>
@@ -11776,7 +11776,7 @@
               </a:ln>
               <a:extLst>
                 <a:ext uri="{91240B29-F687-4f45-9708-019B960494DF}">
-                  <a14:hiddenLine xmlns="" xmlns:a14="http://schemas.microsoft.com/office/drawing/2010/main" w="9525">
+                  <a14:hiddenLine xmlns:a14="http://schemas.microsoft.com/office/drawing/2010/main" xmlns="" w="9525">
                     <a:solidFill>
                       <a:srgbClr val="000000"/>
                     </a:solidFill>
@@ -11866,7 +11866,7 @@
               </a:ln>
               <a:extLst>
                 <a:ext uri="{91240B29-F687-4f45-9708-019B960494DF}">
-                  <a14:hiddenLine xmlns="" xmlns:a14="http://schemas.microsoft.com/office/drawing/2010/main" w="9525">
+                  <a14:hiddenLine xmlns:a14="http://schemas.microsoft.com/office/drawing/2010/main" xmlns="" w="9525">
                     <a:solidFill>
                       <a:srgbClr val="000000"/>
                     </a:solidFill>
@@ -11900,7 +11900,7 @@
               </a:ln>
               <a:extLst>
                 <a:ext uri="{91240B29-F687-4f45-9708-019B960494DF}">
-                  <a14:hiddenLine xmlns="" xmlns:a14="http://schemas.microsoft.com/office/drawing/2010/main" w="9525">
+                  <a14:hiddenLine xmlns:a14="http://schemas.microsoft.com/office/drawing/2010/main" xmlns="" w="9525">
                     <a:solidFill>
                       <a:srgbClr val="000000"/>
                     </a:solidFill>
@@ -12040,7 +12040,7 @@
           <a:p>
             <a:fld id="{9B0DB4BE-B0DF-4F48-87CD-B496B8F4D31A}" type="datetimeFigureOut">
               <a:rPr lang="en-US" smtClean="0"/>
-              <a:t>11/7/2020</a:t>
+              <a:t>11/11/2020</a:t>
             </a:fld>
             <a:endParaRPr lang="en-US"/>
           </a:p>
@@ -12819,7 +12819,7 @@
               </a:ln>
               <a:extLst>
                 <a:ext uri="{91240B29-F687-4f45-9708-019B960494DF}">
-                  <a14:hiddenLine xmlns="" xmlns:a16="http://schemas.microsoft.com/office/drawing/2014/main" xmlns:p14="http://schemas.microsoft.com/office/powerpoint/2010/main" xmlns:a14="http://schemas.microsoft.com/office/drawing/2010/main" w="9525">
+                  <a14:hiddenLine xmlns:a14="http://schemas.microsoft.com/office/drawing/2010/main" xmlns:p14="http://schemas.microsoft.com/office/powerpoint/2010/main" xmlns:a16="http://schemas.microsoft.com/office/drawing/2014/main" xmlns="" w="9525">
                     <a:solidFill>
                       <a:srgbClr val="000000"/>
                     </a:solidFill>
@@ -12924,7 +12924,7 @@
               </a:ln>
               <a:extLst>
                 <a:ext uri="{91240B29-F687-4f45-9708-019B960494DF}">
-                  <a14:hiddenLine xmlns="" xmlns:a16="http://schemas.microsoft.com/office/drawing/2014/main" xmlns:p14="http://schemas.microsoft.com/office/powerpoint/2010/main" xmlns:a14="http://schemas.microsoft.com/office/drawing/2010/main" w="9525">
+                  <a14:hiddenLine xmlns:a14="http://schemas.microsoft.com/office/drawing/2010/main" xmlns:p14="http://schemas.microsoft.com/office/powerpoint/2010/main" xmlns:a16="http://schemas.microsoft.com/office/drawing/2014/main" xmlns="" w="9525">
                     <a:solidFill>
                       <a:srgbClr val="000000"/>
                     </a:solidFill>
@@ -13029,7 +13029,7 @@
               </a:ln>
               <a:extLst>
                 <a:ext uri="{91240B29-F687-4f45-9708-019B960494DF}">
-                  <a14:hiddenLine xmlns="" xmlns:a16="http://schemas.microsoft.com/office/drawing/2014/main" xmlns:p14="http://schemas.microsoft.com/office/powerpoint/2010/main" xmlns:a14="http://schemas.microsoft.com/office/drawing/2010/main" w="9525">
+                  <a14:hiddenLine xmlns:a14="http://schemas.microsoft.com/office/drawing/2010/main" xmlns:p14="http://schemas.microsoft.com/office/powerpoint/2010/main" xmlns:a16="http://schemas.microsoft.com/office/drawing/2014/main" xmlns="" w="9525">
                     <a:solidFill>
                       <a:srgbClr val="000000"/>
                     </a:solidFill>
@@ -13106,7 +13106,7 @@
               </a:ln>
               <a:extLst>
                 <a:ext uri="{91240B29-F687-4f45-9708-019B960494DF}">
-                  <a14:hiddenLine xmlns="" xmlns:a16="http://schemas.microsoft.com/office/drawing/2014/main" xmlns:p14="http://schemas.microsoft.com/office/powerpoint/2010/main" xmlns:a14="http://schemas.microsoft.com/office/drawing/2010/main" w="9525">
+                  <a14:hiddenLine xmlns:a14="http://schemas.microsoft.com/office/drawing/2010/main" xmlns:p14="http://schemas.microsoft.com/office/powerpoint/2010/main" xmlns:a16="http://schemas.microsoft.com/office/drawing/2014/main" xmlns="" w="9525">
                     <a:solidFill>
                       <a:srgbClr val="000000"/>
                     </a:solidFill>
@@ -13211,7 +13211,7 @@
               </a:ln>
               <a:extLst>
                 <a:ext uri="{91240B29-F687-4f45-9708-019B960494DF}">
-                  <a14:hiddenLine xmlns="" xmlns:a16="http://schemas.microsoft.com/office/drawing/2014/main" xmlns:p14="http://schemas.microsoft.com/office/powerpoint/2010/main" xmlns:a14="http://schemas.microsoft.com/office/drawing/2010/main" w="9525">
+                  <a14:hiddenLine xmlns:a14="http://schemas.microsoft.com/office/drawing/2010/main" xmlns:p14="http://schemas.microsoft.com/office/powerpoint/2010/main" xmlns:a16="http://schemas.microsoft.com/office/drawing/2014/main" xmlns="" w="9525">
                     <a:solidFill>
                       <a:srgbClr val="000000"/>
                     </a:solidFill>
@@ -13288,7 +13288,7 @@
               </a:ln>
               <a:extLst>
                 <a:ext uri="{91240B29-F687-4f45-9708-019B960494DF}">
-                  <a14:hiddenLine xmlns="" xmlns:a16="http://schemas.microsoft.com/office/drawing/2014/main" xmlns:p14="http://schemas.microsoft.com/office/powerpoint/2010/main" xmlns:a14="http://schemas.microsoft.com/office/drawing/2010/main" w="9525">
+                  <a14:hiddenLine xmlns:a14="http://schemas.microsoft.com/office/drawing/2010/main" xmlns:p14="http://schemas.microsoft.com/office/powerpoint/2010/main" xmlns:a16="http://schemas.microsoft.com/office/drawing/2014/main" xmlns="" w="9525">
                     <a:solidFill>
                       <a:srgbClr val="000000"/>
                     </a:solidFill>
@@ -13365,7 +13365,7 @@
               </a:ln>
               <a:extLst>
                 <a:ext uri="{91240B29-F687-4f45-9708-019B960494DF}">
-                  <a14:hiddenLine xmlns="" xmlns:a16="http://schemas.microsoft.com/office/drawing/2014/main" xmlns:p14="http://schemas.microsoft.com/office/powerpoint/2010/main" xmlns:a14="http://schemas.microsoft.com/office/drawing/2010/main" w="9525">
+                  <a14:hiddenLine xmlns:a14="http://schemas.microsoft.com/office/drawing/2010/main" xmlns:p14="http://schemas.microsoft.com/office/powerpoint/2010/main" xmlns:a16="http://schemas.microsoft.com/office/drawing/2014/main" xmlns="" w="9525">
                     <a:solidFill>
                       <a:srgbClr val="000000"/>
                     </a:solidFill>
@@ -13470,7 +13470,7 @@
               </a:ln>
               <a:extLst>
                 <a:ext uri="{91240B29-F687-4f45-9708-019B960494DF}">
-                  <a14:hiddenLine xmlns="" xmlns:a16="http://schemas.microsoft.com/office/drawing/2014/main" xmlns:p14="http://schemas.microsoft.com/office/powerpoint/2010/main" xmlns:a14="http://schemas.microsoft.com/office/drawing/2010/main" w="9525">
+                  <a14:hiddenLine xmlns:a14="http://schemas.microsoft.com/office/drawing/2010/main" xmlns:p14="http://schemas.microsoft.com/office/powerpoint/2010/main" xmlns:a16="http://schemas.microsoft.com/office/drawing/2014/main" xmlns="" w="9525">
                     <a:solidFill>
                       <a:srgbClr val="000000"/>
                     </a:solidFill>
@@ -13575,7 +13575,7 @@
               </a:ln>
               <a:extLst>
                 <a:ext uri="{91240B29-F687-4f45-9708-019B960494DF}">
-                  <a14:hiddenLine xmlns="" xmlns:a16="http://schemas.microsoft.com/office/drawing/2014/main" xmlns:p14="http://schemas.microsoft.com/office/powerpoint/2010/main" xmlns:a14="http://schemas.microsoft.com/office/drawing/2010/main" w="9525">
+                  <a14:hiddenLine xmlns:a14="http://schemas.microsoft.com/office/drawing/2010/main" xmlns:p14="http://schemas.microsoft.com/office/powerpoint/2010/main" xmlns:a16="http://schemas.microsoft.com/office/drawing/2014/main" xmlns="" w="9525">
                     <a:solidFill>
                       <a:srgbClr val="000000"/>
                     </a:solidFill>
@@ -13652,7 +13652,7 @@
               </a:ln>
               <a:extLst>
                 <a:ext uri="{91240B29-F687-4f45-9708-019B960494DF}">
-                  <a14:hiddenLine xmlns="" xmlns:a16="http://schemas.microsoft.com/office/drawing/2014/main" xmlns:p14="http://schemas.microsoft.com/office/powerpoint/2010/main" xmlns:a14="http://schemas.microsoft.com/office/drawing/2010/main" w="9525">
+                  <a14:hiddenLine xmlns:a14="http://schemas.microsoft.com/office/drawing/2010/main" xmlns:p14="http://schemas.microsoft.com/office/powerpoint/2010/main" xmlns:a16="http://schemas.microsoft.com/office/drawing/2014/main" xmlns="" w="9525">
                     <a:solidFill>
                       <a:srgbClr val="000000"/>
                     </a:solidFill>
@@ -13777,7 +13777,7 @@
               </a:ln>
               <a:extLst>
                 <a:ext uri="{91240B29-F687-4f45-9708-019B960494DF}">
-                  <a14:hiddenLine xmlns="" xmlns:a16="http://schemas.microsoft.com/office/drawing/2014/main" xmlns:p14="http://schemas.microsoft.com/office/powerpoint/2010/main" xmlns:a14="http://schemas.microsoft.com/office/drawing/2010/main" w="9525">
+                  <a14:hiddenLine xmlns:a14="http://schemas.microsoft.com/office/drawing/2010/main" xmlns:p14="http://schemas.microsoft.com/office/powerpoint/2010/main" xmlns:a16="http://schemas.microsoft.com/office/drawing/2014/main" xmlns="" w="9525">
                     <a:solidFill>
                       <a:srgbClr val="000000"/>
                     </a:solidFill>
@@ -13891,7 +13891,7 @@
               </a:ln>
               <a:extLst>
                 <a:ext uri="{91240B29-F687-4f45-9708-019B960494DF}">
-                  <a14:hiddenLine xmlns="" xmlns:a16="http://schemas.microsoft.com/office/drawing/2014/main" xmlns:p14="http://schemas.microsoft.com/office/powerpoint/2010/main" xmlns:a14="http://schemas.microsoft.com/office/drawing/2010/main" w="9525">
+                  <a14:hiddenLine xmlns:a14="http://schemas.microsoft.com/office/drawing/2010/main" xmlns:p14="http://schemas.microsoft.com/office/powerpoint/2010/main" xmlns:a16="http://schemas.microsoft.com/office/drawing/2014/main" xmlns="" w="9525">
                     <a:solidFill>
                       <a:srgbClr val="000000"/>
                     </a:solidFill>
@@ -13968,7 +13968,7 @@
               </a:ln>
               <a:extLst>
                 <a:ext uri="{91240B29-F687-4f45-9708-019B960494DF}">
-                  <a14:hiddenLine xmlns="" xmlns:a16="http://schemas.microsoft.com/office/drawing/2014/main" xmlns:p14="http://schemas.microsoft.com/office/powerpoint/2010/main" xmlns:a14="http://schemas.microsoft.com/office/drawing/2010/main" w="9525">
+                  <a14:hiddenLine xmlns:a14="http://schemas.microsoft.com/office/drawing/2010/main" xmlns:p14="http://schemas.microsoft.com/office/powerpoint/2010/main" xmlns:a16="http://schemas.microsoft.com/office/drawing/2014/main" xmlns="" w="9525">
                     <a:solidFill>
                       <a:srgbClr val="000000"/>
                     </a:solidFill>
@@ -14045,7 +14045,7 @@
               </a:ln>
               <a:extLst>
                 <a:ext uri="{91240B29-F687-4f45-9708-019B960494DF}">
-                  <a14:hiddenLine xmlns="" xmlns:a16="http://schemas.microsoft.com/office/drawing/2014/main" xmlns:p14="http://schemas.microsoft.com/office/powerpoint/2010/main" xmlns:a14="http://schemas.microsoft.com/office/drawing/2010/main" w="9525">
+                  <a14:hiddenLine xmlns:a14="http://schemas.microsoft.com/office/drawing/2010/main" xmlns:p14="http://schemas.microsoft.com/office/powerpoint/2010/main" xmlns:a16="http://schemas.microsoft.com/office/drawing/2014/main" xmlns="" w="9525">
                     <a:solidFill>
                       <a:srgbClr val="000000"/>
                     </a:solidFill>
@@ -14150,7 +14150,7 @@
               </a:ln>
               <a:extLst>
                 <a:ext uri="{91240B29-F687-4f45-9708-019B960494DF}">
-                  <a14:hiddenLine xmlns="" xmlns:a16="http://schemas.microsoft.com/office/drawing/2014/main" xmlns:p14="http://schemas.microsoft.com/office/powerpoint/2010/main" xmlns:a14="http://schemas.microsoft.com/office/drawing/2010/main" w="9525">
+                  <a14:hiddenLine xmlns:a14="http://schemas.microsoft.com/office/drawing/2010/main" xmlns:p14="http://schemas.microsoft.com/office/powerpoint/2010/main" xmlns:a16="http://schemas.microsoft.com/office/drawing/2014/main" xmlns="" w="9525">
                     <a:solidFill>
                       <a:srgbClr val="000000"/>
                     </a:solidFill>
@@ -14199,7 +14199,7 @@
               </a:ln>
               <a:extLst>
                 <a:ext uri="{91240B29-F687-4f45-9708-019B960494DF}">
-                  <a14:hiddenLine xmlns="" xmlns:a16="http://schemas.microsoft.com/office/drawing/2014/main" xmlns:p14="http://schemas.microsoft.com/office/powerpoint/2010/main" xmlns:a14="http://schemas.microsoft.com/office/drawing/2010/main" w="9525">
+                  <a14:hiddenLine xmlns:a14="http://schemas.microsoft.com/office/drawing/2010/main" xmlns:p14="http://schemas.microsoft.com/office/powerpoint/2010/main" xmlns:a16="http://schemas.microsoft.com/office/drawing/2014/main" xmlns="" w="9525">
                     <a:solidFill>
                       <a:srgbClr val="000000"/>
                     </a:solidFill>
@@ -14279,7 +14279,7 @@
               </a:ln>
               <a:extLst>
                 <a:ext uri="{91240B29-F687-4f45-9708-019B960494DF}">
-                  <a14:hiddenLine xmlns="" xmlns:a16="http://schemas.microsoft.com/office/drawing/2014/main" xmlns:p14="http://schemas.microsoft.com/office/powerpoint/2010/main" xmlns:a14="http://schemas.microsoft.com/office/drawing/2010/main" w="9525">
+                  <a14:hiddenLine xmlns:a14="http://schemas.microsoft.com/office/drawing/2010/main" xmlns:p14="http://schemas.microsoft.com/office/powerpoint/2010/main" xmlns:a16="http://schemas.microsoft.com/office/drawing/2014/main" xmlns="" w="9525">
                     <a:solidFill>
                       <a:srgbClr val="000000"/>
                     </a:solidFill>
@@ -14384,7 +14384,7 @@
               </a:ln>
               <a:extLst>
                 <a:ext uri="{91240B29-F687-4f45-9708-019B960494DF}">
-                  <a14:hiddenLine xmlns="" xmlns:a16="http://schemas.microsoft.com/office/drawing/2014/main" xmlns:p14="http://schemas.microsoft.com/office/powerpoint/2010/main" xmlns:a14="http://schemas.microsoft.com/office/drawing/2010/main" w="9525">
+                  <a14:hiddenLine xmlns:a14="http://schemas.microsoft.com/office/drawing/2010/main" xmlns:p14="http://schemas.microsoft.com/office/powerpoint/2010/main" xmlns:a16="http://schemas.microsoft.com/office/drawing/2014/main" xmlns="" w="9525">
                     <a:solidFill>
                       <a:srgbClr val="000000"/>
                     </a:solidFill>
@@ -14461,7 +14461,7 @@
               </a:ln>
               <a:extLst>
                 <a:ext uri="{91240B29-F687-4f45-9708-019B960494DF}">
-                  <a14:hiddenLine xmlns="" xmlns:a16="http://schemas.microsoft.com/office/drawing/2014/main" xmlns:p14="http://schemas.microsoft.com/office/powerpoint/2010/main" xmlns:a14="http://schemas.microsoft.com/office/drawing/2010/main" w="9525">
+                  <a14:hiddenLine xmlns:a14="http://schemas.microsoft.com/office/drawing/2010/main" xmlns:p14="http://schemas.microsoft.com/office/powerpoint/2010/main" xmlns:a16="http://schemas.microsoft.com/office/drawing/2014/main" xmlns="" w="9525">
                     <a:solidFill>
                       <a:srgbClr val="000000"/>
                     </a:solidFill>
@@ -14566,7 +14566,7 @@
               </a:ln>
               <a:extLst>
                 <a:ext uri="{91240B29-F687-4f45-9708-019B960494DF}">
-                  <a14:hiddenLine xmlns="" xmlns:a16="http://schemas.microsoft.com/office/drawing/2014/main" xmlns:p14="http://schemas.microsoft.com/office/powerpoint/2010/main" xmlns:a14="http://schemas.microsoft.com/office/drawing/2010/main" w="9525">
+                  <a14:hiddenLine xmlns:a14="http://schemas.microsoft.com/office/drawing/2010/main" xmlns:p14="http://schemas.microsoft.com/office/powerpoint/2010/main" xmlns:a16="http://schemas.microsoft.com/office/drawing/2014/main" xmlns="" w="9525">
                     <a:solidFill>
                       <a:srgbClr val="000000"/>
                     </a:solidFill>
@@ -14646,7 +14646,7 @@
               </a:ln>
               <a:extLst>
                 <a:ext uri="{91240B29-F687-4f45-9708-019B960494DF}">
-                  <a14:hiddenLine xmlns="" xmlns:a16="http://schemas.microsoft.com/office/drawing/2014/main" xmlns:p14="http://schemas.microsoft.com/office/powerpoint/2010/main" xmlns:a14="http://schemas.microsoft.com/office/drawing/2010/main" w="9525">
+                  <a14:hiddenLine xmlns:a14="http://schemas.microsoft.com/office/drawing/2010/main" xmlns:p14="http://schemas.microsoft.com/office/powerpoint/2010/main" xmlns:a16="http://schemas.microsoft.com/office/drawing/2014/main" xmlns="" w="9525">
                     <a:solidFill>
                       <a:srgbClr val="000000"/>
                     </a:solidFill>
@@ -14723,7 +14723,7 @@
               </a:ln>
               <a:extLst>
                 <a:ext uri="{91240B29-F687-4f45-9708-019B960494DF}">
-                  <a14:hiddenLine xmlns="" xmlns:a16="http://schemas.microsoft.com/office/drawing/2014/main" xmlns:p14="http://schemas.microsoft.com/office/powerpoint/2010/main" xmlns:a14="http://schemas.microsoft.com/office/drawing/2010/main" w="9525">
+                  <a14:hiddenLine xmlns:a14="http://schemas.microsoft.com/office/drawing/2010/main" xmlns:p14="http://schemas.microsoft.com/office/powerpoint/2010/main" xmlns:a16="http://schemas.microsoft.com/office/drawing/2014/main" xmlns="" w="9525">
                     <a:solidFill>
                       <a:srgbClr val="000000"/>
                     </a:solidFill>
@@ -14828,7 +14828,7 @@
               </a:ln>
               <a:extLst>
                 <a:ext uri="{91240B29-F687-4f45-9708-019B960494DF}">
-                  <a14:hiddenLine xmlns="" xmlns:a16="http://schemas.microsoft.com/office/drawing/2014/main" xmlns:p14="http://schemas.microsoft.com/office/powerpoint/2010/main" xmlns:a14="http://schemas.microsoft.com/office/drawing/2010/main" w="9525">
+                  <a14:hiddenLine xmlns:a14="http://schemas.microsoft.com/office/drawing/2010/main" xmlns:p14="http://schemas.microsoft.com/office/powerpoint/2010/main" xmlns:a16="http://schemas.microsoft.com/office/drawing/2014/main" xmlns="" w="9525">
                     <a:solidFill>
                       <a:srgbClr val="000000"/>
                     </a:solidFill>
@@ -14933,7 +14933,7 @@
               </a:ln>
               <a:extLst>
                 <a:ext uri="{91240B29-F687-4f45-9708-019B960494DF}">
-                  <a14:hiddenLine xmlns="" xmlns:a16="http://schemas.microsoft.com/office/drawing/2014/main" xmlns:p14="http://schemas.microsoft.com/office/powerpoint/2010/main" xmlns:a14="http://schemas.microsoft.com/office/drawing/2010/main" w="9525">
+                  <a14:hiddenLine xmlns:a14="http://schemas.microsoft.com/office/drawing/2010/main" xmlns:p14="http://schemas.microsoft.com/office/powerpoint/2010/main" xmlns:a16="http://schemas.microsoft.com/office/drawing/2014/main" xmlns="" w="9525">
                     <a:solidFill>
                       <a:srgbClr val="000000"/>
                     </a:solidFill>
@@ -15013,7 +15013,7 @@
               </a:ln>
               <a:extLst>
                 <a:ext uri="{91240B29-F687-4f45-9708-019B960494DF}">
-                  <a14:hiddenLine xmlns="" xmlns:a16="http://schemas.microsoft.com/office/drawing/2014/main" xmlns:p14="http://schemas.microsoft.com/office/powerpoint/2010/main" xmlns:a14="http://schemas.microsoft.com/office/drawing/2010/main" w="9525">
+                  <a14:hiddenLine xmlns:a14="http://schemas.microsoft.com/office/drawing/2010/main" xmlns:p14="http://schemas.microsoft.com/office/powerpoint/2010/main" xmlns:a16="http://schemas.microsoft.com/office/drawing/2014/main" xmlns="" w="9525">
                     <a:solidFill>
                       <a:srgbClr val="000000"/>
                     </a:solidFill>
@@ -15148,7 +15148,7 @@
               </a:ln>
               <a:extLst>
                 <a:ext uri="{91240B29-F687-4f45-9708-019B960494DF}">
-                  <a14:hiddenLine xmlns="" xmlns:a16="http://schemas.microsoft.com/office/drawing/2014/main" xmlns:p14="http://schemas.microsoft.com/office/powerpoint/2010/main" xmlns:a14="http://schemas.microsoft.com/office/drawing/2010/main" w="9525">
+                  <a14:hiddenLine xmlns:a14="http://schemas.microsoft.com/office/drawing/2010/main" xmlns:p14="http://schemas.microsoft.com/office/powerpoint/2010/main" xmlns:a16="http://schemas.microsoft.com/office/drawing/2014/main" xmlns="" w="9525">
                     <a:solidFill>
                       <a:srgbClr val="000000"/>
                     </a:solidFill>
@@ -15273,7 +15273,7 @@
               </a:ln>
               <a:extLst>
                 <a:ext uri="{91240B29-F687-4f45-9708-019B960494DF}">
-                  <a14:hiddenLine xmlns="" xmlns:a16="http://schemas.microsoft.com/office/drawing/2014/main" xmlns:p14="http://schemas.microsoft.com/office/powerpoint/2010/main" xmlns:a14="http://schemas.microsoft.com/office/drawing/2010/main" w="9525">
+                  <a14:hiddenLine xmlns:a14="http://schemas.microsoft.com/office/drawing/2010/main" xmlns:p14="http://schemas.microsoft.com/office/powerpoint/2010/main" xmlns:a16="http://schemas.microsoft.com/office/drawing/2014/main" xmlns="" w="9525">
                     <a:solidFill>
                       <a:srgbClr val="000000"/>
                     </a:solidFill>
@@ -15403,7 +15403,7 @@
               </a:ln>
               <a:extLst>
                 <a:ext uri="{91240B29-F687-4f45-9708-019B960494DF}">
-                  <a14:hiddenLine xmlns="" xmlns:a16="http://schemas.microsoft.com/office/drawing/2014/main" xmlns:p14="http://schemas.microsoft.com/office/powerpoint/2010/main" xmlns:a14="http://schemas.microsoft.com/office/drawing/2010/main" w="9525">
+                  <a14:hiddenLine xmlns:a14="http://schemas.microsoft.com/office/drawing/2010/main" xmlns:p14="http://schemas.microsoft.com/office/powerpoint/2010/main" xmlns:a16="http://schemas.microsoft.com/office/drawing/2014/main" xmlns="" w="9525">
                     <a:solidFill>
                       <a:srgbClr val="000000"/>
                     </a:solidFill>
@@ -15508,7 +15508,7 @@
               </a:ln>
               <a:extLst>
                 <a:ext uri="{91240B29-F687-4f45-9708-019B960494DF}">
-                  <a14:hiddenLine xmlns="" xmlns:a16="http://schemas.microsoft.com/office/drawing/2014/main" xmlns:p14="http://schemas.microsoft.com/office/powerpoint/2010/main" xmlns:a14="http://schemas.microsoft.com/office/drawing/2010/main" w="9525">
+                  <a14:hiddenLine xmlns:a14="http://schemas.microsoft.com/office/drawing/2010/main" xmlns:p14="http://schemas.microsoft.com/office/powerpoint/2010/main" xmlns:a16="http://schemas.microsoft.com/office/drawing/2014/main" xmlns="" w="9525">
                     <a:solidFill>
                       <a:srgbClr val="000000"/>
                     </a:solidFill>
@@ -15588,7 +15588,7 @@
               </a:ln>
               <a:extLst>
                 <a:ext uri="{91240B29-F687-4f45-9708-019B960494DF}">
-                  <a14:hiddenLine xmlns="" xmlns:a16="http://schemas.microsoft.com/office/drawing/2014/main" xmlns:p14="http://schemas.microsoft.com/office/powerpoint/2010/main" xmlns:a14="http://schemas.microsoft.com/office/drawing/2010/main" w="9525">
+                  <a14:hiddenLine xmlns:a14="http://schemas.microsoft.com/office/drawing/2010/main" xmlns:p14="http://schemas.microsoft.com/office/powerpoint/2010/main" xmlns:a16="http://schemas.microsoft.com/office/drawing/2014/main" xmlns="" w="9525">
                     <a:solidFill>
                       <a:srgbClr val="000000"/>
                     </a:solidFill>
@@ -15693,7 +15693,7 @@
               </a:ln>
               <a:extLst>
                 <a:ext uri="{91240B29-F687-4f45-9708-019B960494DF}">
-                  <a14:hiddenLine xmlns="" xmlns:a16="http://schemas.microsoft.com/office/drawing/2014/main" xmlns:p14="http://schemas.microsoft.com/office/powerpoint/2010/main" xmlns:a14="http://schemas.microsoft.com/office/drawing/2010/main" w="9525">
+                  <a14:hiddenLine xmlns:a14="http://schemas.microsoft.com/office/drawing/2010/main" xmlns:p14="http://schemas.microsoft.com/office/powerpoint/2010/main" xmlns:a16="http://schemas.microsoft.com/office/drawing/2014/main" xmlns="" w="9525">
                     <a:solidFill>
                       <a:srgbClr val="000000"/>
                     </a:solidFill>
@@ -15776,7 +15776,7 @@
               </a:ln>
               <a:extLst>
                 <a:ext uri="{91240B29-F687-4f45-9708-019B960494DF}">
-                  <a14:hiddenLine xmlns="" xmlns:a16="http://schemas.microsoft.com/office/drawing/2014/main" xmlns:p14="http://schemas.microsoft.com/office/powerpoint/2010/main" xmlns:a14="http://schemas.microsoft.com/office/drawing/2010/main" w="9525">
+                  <a14:hiddenLine xmlns:a14="http://schemas.microsoft.com/office/drawing/2010/main" xmlns:p14="http://schemas.microsoft.com/office/powerpoint/2010/main" xmlns:a16="http://schemas.microsoft.com/office/drawing/2014/main" xmlns="" w="9525">
                     <a:solidFill>
                       <a:srgbClr val="000000"/>
                     </a:solidFill>
@@ -15881,7 +15881,7 @@
               </a:ln>
               <a:extLst>
                 <a:ext uri="{91240B29-F687-4f45-9708-019B960494DF}">
-                  <a14:hiddenLine xmlns="" xmlns:a16="http://schemas.microsoft.com/office/drawing/2014/main" xmlns:p14="http://schemas.microsoft.com/office/powerpoint/2010/main" xmlns:a14="http://schemas.microsoft.com/office/drawing/2010/main" w="9525">
+                  <a14:hiddenLine xmlns:a14="http://schemas.microsoft.com/office/drawing/2010/main" xmlns:p14="http://schemas.microsoft.com/office/powerpoint/2010/main" xmlns:a16="http://schemas.microsoft.com/office/drawing/2014/main" xmlns="" w="9525">
                     <a:solidFill>
                       <a:srgbClr val="000000"/>
                     </a:solidFill>
@@ -15964,7 +15964,7 @@
               </a:ln>
               <a:extLst>
                 <a:ext uri="{91240B29-F687-4f45-9708-019B960494DF}">
-                  <a14:hiddenLine xmlns="" xmlns:a16="http://schemas.microsoft.com/office/drawing/2014/main" xmlns:p14="http://schemas.microsoft.com/office/powerpoint/2010/main" xmlns:a14="http://schemas.microsoft.com/office/drawing/2010/main" w="9525">
+                  <a14:hiddenLine xmlns:a14="http://schemas.microsoft.com/office/drawing/2010/main" xmlns:p14="http://schemas.microsoft.com/office/powerpoint/2010/main" xmlns:a16="http://schemas.microsoft.com/office/drawing/2014/main" xmlns="" w="9525">
                     <a:solidFill>
                       <a:srgbClr val="000000"/>
                     </a:solidFill>
@@ -16069,7 +16069,7 @@
               </a:ln>
               <a:extLst>
                 <a:ext uri="{91240B29-F687-4f45-9708-019B960494DF}">
-                  <a14:hiddenLine xmlns="" xmlns:a16="http://schemas.microsoft.com/office/drawing/2014/main" xmlns:p14="http://schemas.microsoft.com/office/powerpoint/2010/main" xmlns:a14="http://schemas.microsoft.com/office/drawing/2010/main" w="9525">
+                  <a14:hiddenLine xmlns:a14="http://schemas.microsoft.com/office/drawing/2010/main" xmlns:p14="http://schemas.microsoft.com/office/powerpoint/2010/main" xmlns:a16="http://schemas.microsoft.com/office/drawing/2014/main" xmlns="" w="9525">
                     <a:solidFill>
                       <a:srgbClr val="000000"/>
                     </a:solidFill>
@@ -16118,7 +16118,7 @@
               </a:ln>
               <a:extLst>
                 <a:ext uri="{91240B29-F687-4f45-9708-019B960494DF}">
-                  <a14:hiddenLine xmlns="" xmlns:a16="http://schemas.microsoft.com/office/drawing/2014/main" xmlns:p14="http://schemas.microsoft.com/office/powerpoint/2010/main" xmlns:a14="http://schemas.microsoft.com/office/drawing/2010/main" w="9525">
+                  <a14:hiddenLine xmlns:a14="http://schemas.microsoft.com/office/drawing/2010/main" xmlns:p14="http://schemas.microsoft.com/office/powerpoint/2010/main" xmlns:a16="http://schemas.microsoft.com/office/drawing/2014/main" xmlns="" w="9525">
                     <a:solidFill>
                       <a:srgbClr val="000000"/>
                     </a:solidFill>
@@ -16180,7 +16180,7 @@
           <a:noFill/>
           <a:extLst>
             <a:ext uri="{909E8E84-426E-40dd-AFC4-6F175D3DCCD1}">
-              <a14:hiddenFill xmlns="" xmlns:a16="http://schemas.microsoft.com/office/drawing/2014/main" xmlns:p14="http://schemas.microsoft.com/office/powerpoint/2010/main" xmlns:a14="http://schemas.microsoft.com/office/drawing/2010/main">
+              <a14:hiddenFill xmlns:a14="http://schemas.microsoft.com/office/drawing/2010/main" xmlns:p14="http://schemas.microsoft.com/office/powerpoint/2010/main" xmlns:a16="http://schemas.microsoft.com/office/drawing/2014/main" xmlns="">
                 <a:solidFill>
                   <a:srgbClr val="FFFFFF"/>
                 </a:solidFill>
@@ -16973,33 +16973,240 @@
       </p:sp>
       <p:sp>
         <p:nvSpPr>
-          <p:cNvPr id="3" name="Content Placeholder 2">
+          <p:cNvPr id="4" name="Content Placeholder 2">
             <a:extLst>
               <a:ext uri="{FF2B5EF4-FFF2-40B4-BE49-F238E27FC236}">
-                <a16:creationId xmlns:a16="http://schemas.microsoft.com/office/drawing/2014/main" id="{E28AC3A7-221E-466F-B21C-23CB0D404282}"/>
+                <a16:creationId xmlns:a16="http://schemas.microsoft.com/office/drawing/2014/main" id="{40F7D0B8-B2D3-4B17-9091-8F1F146F5E6F}"/>
               </a:ext>
             </a:extLst>
           </p:cNvPr>
-          <p:cNvSpPr>
-            <a:spLocks noGrp="1"/>
+          <p:cNvSpPr txBox="1">
+            <a:spLocks/>
           </p:cNvSpPr>
-          <p:nvPr>
-            <p:ph idx="1"/>
-          </p:nvPr>
+          <p:nvPr/>
         </p:nvSpPr>
         <p:spPr>
           <a:xfrm>
-            <a:off x="1141412" y="2097088"/>
+            <a:off x="1293812" y="2249488"/>
             <a:ext cx="9905999" cy="3541714"/>
           </a:xfrm>
+          <a:prstGeom prst="rect">
+            <a:avLst/>
+          </a:prstGeom>
         </p:spPr>
         <p:txBody>
-          <a:bodyPr>
+          <a:bodyPr vert="horz" lIns="91440" tIns="45720" rIns="91440" bIns="45720" rtlCol="0">
             <a:noAutofit/>
           </a:bodyPr>
-          <a:lstStyle/>
+          <a:lstStyle>
+            <a:lvl1pPr marL="228600" indent="-228600" algn="l" defTabSz="914400" rtl="0" eaLnBrk="1" latinLnBrk="0" hangingPunct="1">
+              <a:lnSpc>
+                <a:spcPct val="120000"/>
+              </a:lnSpc>
+              <a:spcBef>
+                <a:spcPts val="1000"/>
+              </a:spcBef>
+              <a:buSzPct val="125000"/>
+              <a:buFont typeface="Arial" panose="020B0604020202020204" pitchFamily="34" charset="0"/>
+              <a:buChar char="•"/>
+              <a:defRPr sz="2400" kern="1200">
+                <a:solidFill>
+                  <a:schemeClr val="tx1"/>
+                </a:solidFill>
+                <a:latin typeface="+mn-lt"/>
+                <a:ea typeface="+mn-ea"/>
+                <a:cs typeface="+mn-cs"/>
+              </a:defRPr>
+            </a:lvl1pPr>
+            <a:lvl2pPr marL="685800" indent="-228600" algn="l" defTabSz="914400" rtl="0" eaLnBrk="1" latinLnBrk="0" hangingPunct="1">
+              <a:lnSpc>
+                <a:spcPct val="120000"/>
+              </a:lnSpc>
+              <a:spcBef>
+                <a:spcPts val="500"/>
+              </a:spcBef>
+              <a:buSzPct val="125000"/>
+              <a:buFont typeface="Arial" panose="020B0604020202020204" pitchFamily="34" charset="0"/>
+              <a:buChar char="•"/>
+              <a:defRPr sz="2000" kern="1200">
+                <a:solidFill>
+                  <a:schemeClr val="tx1"/>
+                </a:solidFill>
+                <a:latin typeface="+mn-lt"/>
+                <a:ea typeface="+mn-ea"/>
+                <a:cs typeface="+mn-cs"/>
+              </a:defRPr>
+            </a:lvl2pPr>
+            <a:lvl3pPr marL="1143000" indent="-228600" algn="l" defTabSz="914400" rtl="0" eaLnBrk="1" latinLnBrk="0" hangingPunct="1">
+              <a:lnSpc>
+                <a:spcPct val="120000"/>
+              </a:lnSpc>
+              <a:spcBef>
+                <a:spcPts val="500"/>
+              </a:spcBef>
+              <a:buSzPct val="125000"/>
+              <a:buFont typeface="Arial" panose="020B0604020202020204" pitchFamily="34" charset="0"/>
+              <a:buChar char="•"/>
+              <a:defRPr sz="1800" kern="1200">
+                <a:solidFill>
+                  <a:schemeClr val="tx1"/>
+                </a:solidFill>
+                <a:latin typeface="+mn-lt"/>
+                <a:ea typeface="+mn-ea"/>
+                <a:cs typeface="+mn-cs"/>
+              </a:defRPr>
+            </a:lvl3pPr>
+            <a:lvl4pPr marL="1600200" indent="-228600" algn="l" defTabSz="914400" rtl="0" eaLnBrk="1" latinLnBrk="0" hangingPunct="1">
+              <a:lnSpc>
+                <a:spcPct val="120000"/>
+              </a:lnSpc>
+              <a:spcBef>
+                <a:spcPts val="500"/>
+              </a:spcBef>
+              <a:buSzPct val="125000"/>
+              <a:buFont typeface="Arial" panose="020B0604020202020204" pitchFamily="34" charset="0"/>
+              <a:buChar char="•"/>
+              <a:defRPr sz="1600" kern="1200">
+                <a:solidFill>
+                  <a:schemeClr val="tx1"/>
+                </a:solidFill>
+                <a:latin typeface="+mn-lt"/>
+                <a:ea typeface="+mn-ea"/>
+                <a:cs typeface="+mn-cs"/>
+              </a:defRPr>
+            </a:lvl4pPr>
+            <a:lvl5pPr marL="2057400" indent="-228600" algn="l" defTabSz="914400" rtl="0" eaLnBrk="1" latinLnBrk="0" hangingPunct="1">
+              <a:lnSpc>
+                <a:spcPct val="120000"/>
+              </a:lnSpc>
+              <a:spcBef>
+                <a:spcPts val="500"/>
+              </a:spcBef>
+              <a:buSzPct val="125000"/>
+              <a:buFont typeface="Arial" panose="020B0604020202020204" pitchFamily="34" charset="0"/>
+              <a:buChar char="•"/>
+              <a:defRPr sz="1600" kern="1200">
+                <a:solidFill>
+                  <a:schemeClr val="tx1"/>
+                </a:solidFill>
+                <a:latin typeface="+mn-lt"/>
+                <a:ea typeface="+mn-ea"/>
+                <a:cs typeface="+mn-cs"/>
+              </a:defRPr>
+            </a:lvl5pPr>
+            <a:lvl6pPr marL="2514600" indent="-228600" algn="l" defTabSz="914400" rtl="0" eaLnBrk="1" latinLnBrk="0" hangingPunct="1">
+              <a:lnSpc>
+                <a:spcPct val="120000"/>
+              </a:lnSpc>
+              <a:spcBef>
+                <a:spcPts val="500"/>
+              </a:spcBef>
+              <a:buSzPct val="125000"/>
+              <a:buFont typeface="Arial" panose="020B0604020202020204" pitchFamily="34" charset="0"/>
+              <a:buChar char="•"/>
+              <a:defRPr sz="1400" kern="1200">
+                <a:solidFill>
+                  <a:schemeClr val="tx1"/>
+                </a:solidFill>
+                <a:latin typeface="+mn-lt"/>
+                <a:ea typeface="+mn-ea"/>
+                <a:cs typeface="+mn-cs"/>
+              </a:defRPr>
+            </a:lvl6pPr>
+            <a:lvl7pPr marL="2971800" indent="-228600" algn="l" defTabSz="914400" rtl="0" eaLnBrk="1" latinLnBrk="0" hangingPunct="1">
+              <a:lnSpc>
+                <a:spcPct val="120000"/>
+              </a:lnSpc>
+              <a:spcBef>
+                <a:spcPts val="500"/>
+              </a:spcBef>
+              <a:buSzPct val="125000"/>
+              <a:buFont typeface="Arial" panose="020B0604020202020204" pitchFamily="34" charset="0"/>
+              <a:buChar char="•"/>
+              <a:defRPr sz="1400" kern="1200">
+                <a:solidFill>
+                  <a:schemeClr val="tx1"/>
+                </a:solidFill>
+                <a:latin typeface="+mn-lt"/>
+                <a:ea typeface="+mn-ea"/>
+                <a:cs typeface="+mn-cs"/>
+              </a:defRPr>
+            </a:lvl7pPr>
+            <a:lvl8pPr marL="3429000" indent="-228600" algn="l" defTabSz="914400" rtl="0" eaLnBrk="1" latinLnBrk="0" hangingPunct="1">
+              <a:lnSpc>
+                <a:spcPct val="120000"/>
+              </a:lnSpc>
+              <a:spcBef>
+                <a:spcPts val="500"/>
+              </a:spcBef>
+              <a:buSzPct val="125000"/>
+              <a:buFont typeface="Arial" panose="020B0604020202020204" pitchFamily="34" charset="0"/>
+              <a:buChar char="•"/>
+              <a:defRPr sz="1400" kern="1200">
+                <a:solidFill>
+                  <a:schemeClr val="tx1"/>
+                </a:solidFill>
+                <a:latin typeface="+mn-lt"/>
+                <a:ea typeface="+mn-ea"/>
+                <a:cs typeface="+mn-cs"/>
+              </a:defRPr>
+            </a:lvl8pPr>
+            <a:lvl9pPr marL="3886200" indent="-228600" algn="l" defTabSz="914400" rtl="0" eaLnBrk="1" latinLnBrk="0" hangingPunct="1">
+              <a:lnSpc>
+                <a:spcPct val="120000"/>
+              </a:lnSpc>
+              <a:spcBef>
+                <a:spcPts val="500"/>
+              </a:spcBef>
+              <a:buSzPct val="125000"/>
+              <a:buFont typeface="Arial" panose="020B0604020202020204" pitchFamily="34" charset="0"/>
+              <a:buChar char="•"/>
+              <a:defRPr sz="1400" kern="1200">
+                <a:solidFill>
+                  <a:schemeClr val="tx1"/>
+                </a:solidFill>
+                <a:latin typeface="+mn-lt"/>
+                <a:ea typeface="+mn-ea"/>
+                <a:cs typeface="+mn-cs"/>
+              </a:defRPr>
+            </a:lvl9pPr>
+          </a:lstStyle>
+          <a:p>
+            <a:r>
+              <a:rPr lang="en-US" dirty="0"/>
+              <a:t>A system buffer is reserved to hold data in transit</a:t>
+            </a:r>
+          </a:p>
+          <a:p>
+            <a:pPr lvl="1"/>
+            <a:r>
+              <a:rPr lang="en-US" dirty="0"/>
+              <a:t>Buffer is managed entirely by MPI Library and is oblique to the programmer</a:t>
+            </a:r>
+          </a:p>
+          <a:p>
+            <a:r>
+              <a:rPr lang="en-US" dirty="0"/>
+              <a:t>MPI guarantees that messages will no overtake each other</a:t>
+            </a:r>
+          </a:p>
+          <a:p>
+            <a:pPr lvl="1"/>
+            <a:r>
+              <a:rPr lang="en-US" dirty="0"/>
+              <a:t>If message 1 is sent before message 2, message 1 will always be received before message 2</a:t>
+            </a:r>
+          </a:p>
+          <a:p>
+            <a:pPr lvl="1"/>
+            <a:r>
+              <a:rPr lang="en-US" dirty="0"/>
+              <a:t>If receive 1 is posted before receive 2, receive 1 will always be receive its value before receive 2</a:t>
+            </a:r>
+          </a:p>
           <a:p>
             <a:pPr marL="0" indent="0">
+              <a:buFont typeface="Arial" panose="020B0604020202020204" pitchFamily="34" charset="0"/>
               <a:buNone/>
             </a:pPr>
             <a:endParaRPr lang="en-US" dirty="0"/>
@@ -21094,14 +21301,28 @@
             <a:pPr lvl="1"/>
             <a:r>
               <a:rPr lang="en-US" dirty="0"/>
-              <a:t>Idea 1</a:t>
+              <a:t>One thread deals with inputs/immediate actions, one thread does computation</a:t>
+            </a:r>
+          </a:p>
+          <a:p>
+            <a:pPr lvl="2"/>
+            <a:r>
+              <a:rPr lang="en-US" dirty="0"/>
+              <a:t>Robot that has one thread doing path planning and another dealing with sensors and moving</a:t>
             </a:r>
           </a:p>
           <a:p>
             <a:pPr lvl="1"/>
             <a:r>
               <a:rPr lang="en-US" dirty="0"/>
-              <a:t>Idea 2</a:t>
+              <a:t>Splitting large calculations on multiple threads</a:t>
+            </a:r>
+          </a:p>
+          <a:p>
+            <a:pPr lvl="2"/>
+            <a:r>
+              <a:rPr lang="en-US" dirty="0"/>
+              <a:t>Neural nets, matrix multiplications</a:t>
             </a:r>
           </a:p>
           <a:p>
@@ -21687,7 +21908,7 @@
           <a:noFill/>
           <a:extLst>
             <a:ext uri="{909E8E84-426E-40dd-AFC4-6F175D3DCCD1}">
-              <a14:hiddenFill xmlns="" xmlns:a16="http://schemas.microsoft.com/office/drawing/2014/main" xmlns:p14="http://schemas.microsoft.com/office/powerpoint/2010/main" xmlns:a14="http://schemas.microsoft.com/office/drawing/2010/main">
+              <a14:hiddenFill xmlns:a14="http://schemas.microsoft.com/office/drawing/2010/main" xmlns:p14="http://schemas.microsoft.com/office/powerpoint/2010/main" xmlns:a16="http://schemas.microsoft.com/office/drawing/2014/main" xmlns="">
                 <a:solidFill>
                   <a:srgbClr val="FFFFFF"/>
                 </a:solidFill>
@@ -21972,7 +22193,7 @@
             </a:ln>
             <a:extLst>
               <a:ext uri="{91240B29-F687-4f45-9708-019B960494DF}">
-                <a14:hiddenLine xmlns="" xmlns:a16="http://schemas.microsoft.com/office/drawing/2014/main" xmlns:p14="http://schemas.microsoft.com/office/powerpoint/2010/main" xmlns:a14="http://schemas.microsoft.com/office/drawing/2010/main" w="9525">
+                <a14:hiddenLine xmlns:a14="http://schemas.microsoft.com/office/drawing/2010/main" xmlns:p14="http://schemas.microsoft.com/office/powerpoint/2010/main" xmlns:a16="http://schemas.microsoft.com/office/drawing/2014/main" xmlns="" w="9525">
                   <a:solidFill>
                     <a:srgbClr val="000000"/>
                   </a:solidFill>
@@ -22077,7 +22298,7 @@
             </a:ln>
             <a:extLst>
               <a:ext uri="{91240B29-F687-4f45-9708-019B960494DF}">
-                <a14:hiddenLine xmlns="" xmlns:a16="http://schemas.microsoft.com/office/drawing/2014/main" xmlns:p14="http://schemas.microsoft.com/office/powerpoint/2010/main" xmlns:a14="http://schemas.microsoft.com/office/drawing/2010/main" w="9525">
+                <a14:hiddenLine xmlns:a14="http://schemas.microsoft.com/office/drawing/2010/main" xmlns:p14="http://schemas.microsoft.com/office/powerpoint/2010/main" xmlns:a16="http://schemas.microsoft.com/office/drawing/2014/main" xmlns="" w="9525">
                   <a:solidFill>
                     <a:srgbClr val="000000"/>
                   </a:solidFill>
@@ -22182,7 +22403,7 @@
             </a:ln>
             <a:extLst>
               <a:ext uri="{91240B29-F687-4f45-9708-019B960494DF}">
-                <a14:hiddenLine xmlns="" xmlns:a16="http://schemas.microsoft.com/office/drawing/2014/main" xmlns:p14="http://schemas.microsoft.com/office/powerpoint/2010/main" xmlns:a14="http://schemas.microsoft.com/office/drawing/2010/main" w="9525">
+                <a14:hiddenLine xmlns:a14="http://schemas.microsoft.com/office/drawing/2010/main" xmlns:p14="http://schemas.microsoft.com/office/powerpoint/2010/main" xmlns:a16="http://schemas.microsoft.com/office/drawing/2014/main" xmlns="" w="9525">
                   <a:solidFill>
                     <a:srgbClr val="000000"/>
                   </a:solidFill>
@@ -22259,7 +22480,7 @@
             </a:ln>
             <a:extLst>
               <a:ext uri="{91240B29-F687-4f45-9708-019B960494DF}">
-                <a14:hiddenLine xmlns="" xmlns:a16="http://schemas.microsoft.com/office/drawing/2014/main" xmlns:p14="http://schemas.microsoft.com/office/powerpoint/2010/main" xmlns:a14="http://schemas.microsoft.com/office/drawing/2010/main" w="9525">
+                <a14:hiddenLine xmlns:a14="http://schemas.microsoft.com/office/drawing/2010/main" xmlns:p14="http://schemas.microsoft.com/office/powerpoint/2010/main" xmlns:a16="http://schemas.microsoft.com/office/drawing/2014/main" xmlns="" w="9525">
                   <a:solidFill>
                     <a:srgbClr val="000000"/>
                   </a:solidFill>
@@ -22364,7 +22585,7 @@
             </a:ln>
             <a:extLst>
               <a:ext uri="{91240B29-F687-4f45-9708-019B960494DF}">
-                <a14:hiddenLine xmlns="" xmlns:a16="http://schemas.microsoft.com/office/drawing/2014/main" xmlns:p14="http://schemas.microsoft.com/office/powerpoint/2010/main" xmlns:a14="http://schemas.microsoft.com/office/drawing/2010/main" w="9525">
+                <a14:hiddenLine xmlns:a14="http://schemas.microsoft.com/office/drawing/2010/main" xmlns:p14="http://schemas.microsoft.com/office/powerpoint/2010/main" xmlns:a16="http://schemas.microsoft.com/office/drawing/2014/main" xmlns="" w="9525">
                   <a:solidFill>
                     <a:srgbClr val="000000"/>
                   </a:solidFill>
@@ -22441,7 +22662,7 @@
             </a:ln>
             <a:extLst>
               <a:ext uri="{91240B29-F687-4f45-9708-019B960494DF}">
-                <a14:hiddenLine xmlns="" xmlns:a16="http://schemas.microsoft.com/office/drawing/2014/main" xmlns:p14="http://schemas.microsoft.com/office/powerpoint/2010/main" xmlns:a14="http://schemas.microsoft.com/office/drawing/2010/main" w="9525">
+                <a14:hiddenLine xmlns:a14="http://schemas.microsoft.com/office/drawing/2010/main" xmlns:p14="http://schemas.microsoft.com/office/powerpoint/2010/main" xmlns:a16="http://schemas.microsoft.com/office/drawing/2014/main" xmlns="" w="9525">
                   <a:solidFill>
                     <a:srgbClr val="000000"/>
                   </a:solidFill>
@@ -22518,7 +22739,7 @@
             </a:ln>
             <a:extLst>
               <a:ext uri="{91240B29-F687-4f45-9708-019B960494DF}">
-                <a14:hiddenLine xmlns="" xmlns:a16="http://schemas.microsoft.com/office/drawing/2014/main" xmlns:p14="http://schemas.microsoft.com/office/powerpoint/2010/main" xmlns:a14="http://schemas.microsoft.com/office/drawing/2010/main" w="9525">
+                <a14:hiddenLine xmlns:a14="http://schemas.microsoft.com/office/drawing/2010/main" xmlns:p14="http://schemas.microsoft.com/office/powerpoint/2010/main" xmlns:a16="http://schemas.microsoft.com/office/drawing/2014/main" xmlns="" w="9525">
                   <a:solidFill>
                     <a:srgbClr val="000000"/>
                   </a:solidFill>
@@ -22623,7 +22844,7 @@
             </a:ln>
             <a:extLst>
               <a:ext uri="{91240B29-F687-4f45-9708-019B960494DF}">
-                <a14:hiddenLine xmlns="" xmlns:a16="http://schemas.microsoft.com/office/drawing/2014/main" xmlns:p14="http://schemas.microsoft.com/office/powerpoint/2010/main" xmlns:a14="http://schemas.microsoft.com/office/drawing/2010/main" w="9525">
+                <a14:hiddenLine xmlns:a14="http://schemas.microsoft.com/office/drawing/2010/main" xmlns:p14="http://schemas.microsoft.com/office/powerpoint/2010/main" xmlns:a16="http://schemas.microsoft.com/office/drawing/2014/main" xmlns="" w="9525">
                   <a:solidFill>
                     <a:srgbClr val="000000"/>
                   </a:solidFill>
@@ -22728,7 +22949,7 @@
             </a:ln>
             <a:extLst>
               <a:ext uri="{91240B29-F687-4f45-9708-019B960494DF}">
-                <a14:hiddenLine xmlns="" xmlns:a16="http://schemas.microsoft.com/office/drawing/2014/main" xmlns:p14="http://schemas.microsoft.com/office/powerpoint/2010/main" xmlns:a14="http://schemas.microsoft.com/office/drawing/2010/main" w="9525">
+                <a14:hiddenLine xmlns:a14="http://schemas.microsoft.com/office/drawing/2010/main" xmlns:p14="http://schemas.microsoft.com/office/powerpoint/2010/main" xmlns:a16="http://schemas.microsoft.com/office/drawing/2014/main" xmlns="" w="9525">
                   <a:solidFill>
                     <a:srgbClr val="000000"/>
                   </a:solidFill>
@@ -22805,7 +23026,7 @@
             </a:ln>
             <a:extLst>
               <a:ext uri="{91240B29-F687-4f45-9708-019B960494DF}">
-                <a14:hiddenLine xmlns="" xmlns:a16="http://schemas.microsoft.com/office/drawing/2014/main" xmlns:p14="http://schemas.microsoft.com/office/powerpoint/2010/main" xmlns:a14="http://schemas.microsoft.com/office/drawing/2010/main" w="9525">
+                <a14:hiddenLine xmlns:a14="http://schemas.microsoft.com/office/drawing/2010/main" xmlns:p14="http://schemas.microsoft.com/office/powerpoint/2010/main" xmlns:a16="http://schemas.microsoft.com/office/drawing/2014/main" xmlns="" w="9525">
                   <a:solidFill>
                     <a:srgbClr val="000000"/>
                   </a:solidFill>
@@ -22930,7 +23151,7 @@
             </a:ln>
             <a:extLst>
               <a:ext uri="{91240B29-F687-4f45-9708-019B960494DF}">
-                <a14:hiddenLine xmlns="" xmlns:a16="http://schemas.microsoft.com/office/drawing/2014/main" xmlns:p14="http://schemas.microsoft.com/office/powerpoint/2010/main" xmlns:a14="http://schemas.microsoft.com/office/drawing/2010/main" w="9525">
+                <a14:hiddenLine xmlns:a14="http://schemas.microsoft.com/office/drawing/2010/main" xmlns:p14="http://schemas.microsoft.com/office/powerpoint/2010/main" xmlns:a16="http://schemas.microsoft.com/office/drawing/2014/main" xmlns="" w="9525">
                   <a:solidFill>
                     <a:srgbClr val="000000"/>
                   </a:solidFill>
@@ -23044,7 +23265,7 @@
             </a:ln>
             <a:extLst>
               <a:ext uri="{91240B29-F687-4f45-9708-019B960494DF}">
-                <a14:hiddenLine xmlns="" xmlns:a16="http://schemas.microsoft.com/office/drawing/2014/main" xmlns:p14="http://schemas.microsoft.com/office/powerpoint/2010/main" xmlns:a14="http://schemas.microsoft.com/office/drawing/2010/main" w="9525">
+                <a14:hiddenLine xmlns:a14="http://schemas.microsoft.com/office/drawing/2010/main" xmlns:p14="http://schemas.microsoft.com/office/powerpoint/2010/main" xmlns:a16="http://schemas.microsoft.com/office/drawing/2014/main" xmlns="" w="9525">
                   <a:solidFill>
                     <a:srgbClr val="000000"/>
                   </a:solidFill>
@@ -23121,7 +23342,7 @@
             </a:ln>
             <a:extLst>
               <a:ext uri="{91240B29-F687-4f45-9708-019B960494DF}">
-                <a14:hiddenLine xmlns="" xmlns:a16="http://schemas.microsoft.com/office/drawing/2014/main" xmlns:p14="http://schemas.microsoft.com/office/powerpoint/2010/main" xmlns:a14="http://schemas.microsoft.com/office/drawing/2010/main" w="9525">
+                <a14:hiddenLine xmlns:a14="http://schemas.microsoft.com/office/drawing/2010/main" xmlns:p14="http://schemas.microsoft.com/office/powerpoint/2010/main" xmlns:a16="http://schemas.microsoft.com/office/drawing/2014/main" xmlns="" w="9525">
                   <a:solidFill>
                     <a:srgbClr val="000000"/>
                   </a:solidFill>
@@ -23198,7 +23419,7 @@
             </a:ln>
             <a:extLst>
               <a:ext uri="{91240B29-F687-4f45-9708-019B960494DF}">
-                <a14:hiddenLine xmlns="" xmlns:a16="http://schemas.microsoft.com/office/drawing/2014/main" xmlns:p14="http://schemas.microsoft.com/office/powerpoint/2010/main" xmlns:a14="http://schemas.microsoft.com/office/drawing/2010/main" w="9525">
+                <a14:hiddenLine xmlns:a14="http://schemas.microsoft.com/office/drawing/2010/main" xmlns:p14="http://schemas.microsoft.com/office/powerpoint/2010/main" xmlns:a16="http://schemas.microsoft.com/office/drawing/2014/main" xmlns="" w="9525">
                   <a:solidFill>
                     <a:srgbClr val="000000"/>
                   </a:solidFill>
@@ -23303,7 +23524,7 @@
             </a:ln>
             <a:extLst>
               <a:ext uri="{91240B29-F687-4f45-9708-019B960494DF}">
-                <a14:hiddenLine xmlns="" xmlns:a16="http://schemas.microsoft.com/office/drawing/2014/main" xmlns:p14="http://schemas.microsoft.com/office/powerpoint/2010/main" xmlns:a14="http://schemas.microsoft.com/office/drawing/2010/main" w="9525">
+                <a14:hiddenLine xmlns:a14="http://schemas.microsoft.com/office/drawing/2010/main" xmlns:p14="http://schemas.microsoft.com/office/powerpoint/2010/main" xmlns:a16="http://schemas.microsoft.com/office/drawing/2014/main" xmlns="" w="9525">
                   <a:solidFill>
                     <a:srgbClr val="000000"/>
                   </a:solidFill>
@@ -23352,7 +23573,7 @@
             </a:ln>
             <a:extLst>
               <a:ext uri="{91240B29-F687-4f45-9708-019B960494DF}">
-                <a14:hiddenLine xmlns="" xmlns:a16="http://schemas.microsoft.com/office/drawing/2014/main" xmlns:p14="http://schemas.microsoft.com/office/powerpoint/2010/main" xmlns:a14="http://schemas.microsoft.com/office/drawing/2010/main" w="9525">
+                <a14:hiddenLine xmlns:a14="http://schemas.microsoft.com/office/drawing/2010/main" xmlns:p14="http://schemas.microsoft.com/office/powerpoint/2010/main" xmlns:a16="http://schemas.microsoft.com/office/drawing/2014/main" xmlns="" w="9525">
                   <a:solidFill>
                     <a:srgbClr val="000000"/>
                   </a:solidFill>
@@ -23432,7 +23653,7 @@
             </a:ln>
             <a:extLst>
               <a:ext uri="{91240B29-F687-4f45-9708-019B960494DF}">
-                <a14:hiddenLine xmlns="" xmlns:a16="http://schemas.microsoft.com/office/drawing/2014/main" xmlns:p14="http://schemas.microsoft.com/office/powerpoint/2010/main" xmlns:a14="http://schemas.microsoft.com/office/drawing/2010/main" w="9525">
+                <a14:hiddenLine xmlns:a14="http://schemas.microsoft.com/office/drawing/2010/main" xmlns:p14="http://schemas.microsoft.com/office/powerpoint/2010/main" xmlns:a16="http://schemas.microsoft.com/office/drawing/2014/main" xmlns="" w="9525">
                   <a:solidFill>
                     <a:srgbClr val="000000"/>
                   </a:solidFill>
@@ -23537,7 +23758,7 @@
             </a:ln>
             <a:extLst>
               <a:ext uri="{91240B29-F687-4f45-9708-019B960494DF}">
-                <a14:hiddenLine xmlns="" xmlns:a16="http://schemas.microsoft.com/office/drawing/2014/main" xmlns:p14="http://schemas.microsoft.com/office/powerpoint/2010/main" xmlns:a14="http://schemas.microsoft.com/office/drawing/2010/main" w="9525">
+                <a14:hiddenLine xmlns:a14="http://schemas.microsoft.com/office/drawing/2010/main" xmlns:p14="http://schemas.microsoft.com/office/powerpoint/2010/main" xmlns:a16="http://schemas.microsoft.com/office/drawing/2014/main" xmlns="" w="9525">
                   <a:solidFill>
                     <a:srgbClr val="000000"/>
                   </a:solidFill>
@@ -23614,7 +23835,7 @@
             </a:ln>
             <a:extLst>
               <a:ext uri="{91240B29-F687-4f45-9708-019B960494DF}">
-                <a14:hiddenLine xmlns="" xmlns:a16="http://schemas.microsoft.com/office/drawing/2014/main" xmlns:p14="http://schemas.microsoft.com/office/powerpoint/2010/main" xmlns:a14="http://schemas.microsoft.com/office/drawing/2010/main" w="9525">
+                <a14:hiddenLine xmlns:a14="http://schemas.microsoft.com/office/drawing/2010/main" xmlns:p14="http://schemas.microsoft.com/office/powerpoint/2010/main" xmlns:a16="http://schemas.microsoft.com/office/drawing/2014/main" xmlns="" w="9525">
                   <a:solidFill>
                     <a:srgbClr val="000000"/>
                   </a:solidFill>
@@ -23719,7 +23940,7 @@
             </a:ln>
             <a:extLst>
               <a:ext uri="{91240B29-F687-4f45-9708-019B960494DF}">
-                <a14:hiddenLine xmlns="" xmlns:a16="http://schemas.microsoft.com/office/drawing/2014/main" xmlns:p14="http://schemas.microsoft.com/office/powerpoint/2010/main" xmlns:a14="http://schemas.microsoft.com/office/drawing/2010/main" w="9525">
+                <a14:hiddenLine xmlns:a14="http://schemas.microsoft.com/office/drawing/2010/main" xmlns:p14="http://schemas.microsoft.com/office/powerpoint/2010/main" xmlns:a16="http://schemas.microsoft.com/office/drawing/2014/main" xmlns="" w="9525">
                   <a:solidFill>
                     <a:srgbClr val="000000"/>
                   </a:solidFill>
@@ -23799,7 +24020,7 @@
             </a:ln>
             <a:extLst>
               <a:ext uri="{91240B29-F687-4f45-9708-019B960494DF}">
-                <a14:hiddenLine xmlns="" xmlns:a16="http://schemas.microsoft.com/office/drawing/2014/main" xmlns:p14="http://schemas.microsoft.com/office/powerpoint/2010/main" xmlns:a14="http://schemas.microsoft.com/office/drawing/2010/main" w="9525">
+                <a14:hiddenLine xmlns:a14="http://schemas.microsoft.com/office/drawing/2010/main" xmlns:p14="http://schemas.microsoft.com/office/powerpoint/2010/main" xmlns:a16="http://schemas.microsoft.com/office/drawing/2014/main" xmlns="" w="9525">
                   <a:solidFill>
                     <a:srgbClr val="000000"/>
                   </a:solidFill>
@@ -23876,7 +24097,7 @@
             </a:ln>
             <a:extLst>
               <a:ext uri="{91240B29-F687-4f45-9708-019B960494DF}">
-                <a14:hiddenLine xmlns="" xmlns:a16="http://schemas.microsoft.com/office/drawing/2014/main" xmlns:p14="http://schemas.microsoft.com/office/powerpoint/2010/main" xmlns:a14="http://schemas.microsoft.com/office/drawing/2010/main" w="9525">
+                <a14:hiddenLine xmlns:a14="http://schemas.microsoft.com/office/drawing/2010/main" xmlns:p14="http://schemas.microsoft.com/office/powerpoint/2010/main" xmlns:a16="http://schemas.microsoft.com/office/drawing/2014/main" xmlns="" w="9525">
                   <a:solidFill>
                     <a:srgbClr val="000000"/>
                   </a:solidFill>
@@ -23981,7 +24202,7 @@
             </a:ln>
             <a:extLst>
               <a:ext uri="{91240B29-F687-4f45-9708-019B960494DF}">
-                <a14:hiddenLine xmlns="" xmlns:a16="http://schemas.microsoft.com/office/drawing/2014/main" xmlns:p14="http://schemas.microsoft.com/office/powerpoint/2010/main" xmlns:a14="http://schemas.microsoft.com/office/drawing/2010/main" w="9525">
+                <a14:hiddenLine xmlns:a14="http://schemas.microsoft.com/office/drawing/2010/main" xmlns:p14="http://schemas.microsoft.com/office/powerpoint/2010/main" xmlns:a16="http://schemas.microsoft.com/office/drawing/2014/main" xmlns="" w="9525">
                   <a:solidFill>
                     <a:srgbClr val="000000"/>
                   </a:solidFill>
@@ -24086,7 +24307,7 @@
             </a:ln>
             <a:extLst>
               <a:ext uri="{91240B29-F687-4f45-9708-019B960494DF}">
-                <a14:hiddenLine xmlns="" xmlns:a16="http://schemas.microsoft.com/office/drawing/2014/main" xmlns:p14="http://schemas.microsoft.com/office/powerpoint/2010/main" xmlns:a14="http://schemas.microsoft.com/office/drawing/2010/main" w="9525">
+                <a14:hiddenLine xmlns:a14="http://schemas.microsoft.com/office/drawing/2010/main" xmlns:p14="http://schemas.microsoft.com/office/powerpoint/2010/main" xmlns:a16="http://schemas.microsoft.com/office/drawing/2014/main" xmlns="" w="9525">
                   <a:solidFill>
                     <a:srgbClr val="000000"/>
                   </a:solidFill>
@@ -24166,7 +24387,7 @@
             </a:ln>
             <a:extLst>
               <a:ext uri="{91240B29-F687-4f45-9708-019B960494DF}">
-                <a14:hiddenLine xmlns="" xmlns:a16="http://schemas.microsoft.com/office/drawing/2014/main" xmlns:p14="http://schemas.microsoft.com/office/powerpoint/2010/main" xmlns:a14="http://schemas.microsoft.com/office/drawing/2010/main" w="9525">
+                <a14:hiddenLine xmlns:a14="http://schemas.microsoft.com/office/drawing/2010/main" xmlns:p14="http://schemas.microsoft.com/office/powerpoint/2010/main" xmlns:a16="http://schemas.microsoft.com/office/drawing/2014/main" xmlns="" w="9525">
                   <a:solidFill>
                     <a:srgbClr val="000000"/>
                   </a:solidFill>
@@ -24301,7 +24522,7 @@
             </a:ln>
             <a:extLst>
               <a:ext uri="{91240B29-F687-4f45-9708-019B960494DF}">
-                <a14:hiddenLine xmlns="" xmlns:a16="http://schemas.microsoft.com/office/drawing/2014/main" xmlns:p14="http://schemas.microsoft.com/office/powerpoint/2010/main" xmlns:a14="http://schemas.microsoft.com/office/drawing/2010/main" w="9525">
+                <a14:hiddenLine xmlns:a14="http://schemas.microsoft.com/office/drawing/2010/main" xmlns:p14="http://schemas.microsoft.com/office/powerpoint/2010/main" xmlns:a16="http://schemas.microsoft.com/office/drawing/2014/main" xmlns="" w="9525">
                   <a:solidFill>
                     <a:srgbClr val="000000"/>
                   </a:solidFill>

--- a/MPI_Workshop.pptx
+++ b/MPI_Workshop.pptx
@@ -21428,25 +21428,48 @@
             </a:r>
             <a:r>
               <a:rPr lang="en-US" dirty="0"/>
-              <a:t> repo will contain lecture notes and this </a:t>
+              <a:t> repo will contain lecture notes and this PowerPoint</a:t>
             </a:r>
-            <a:r>
-              <a:rPr lang="en-US" dirty="0" err="1"/>
-              <a:t>powerpoint</a:t>
-            </a:r>
-            <a:endParaRPr lang="en-US" dirty="0"/>
           </a:p>
           <a:p>
             <a:pPr lvl="1"/>
             <a:r>
               <a:rPr lang="en-US" dirty="0"/>
-              <a:t>At this link here (TBD)</a:t>
+              <a:t>At this link here: </a:t>
             </a:r>
+            <a:r>
+              <a:rPr lang="en-US" dirty="0">
+                <a:hlinkClick r:id="rId2"/>
+              </a:rPr>
+              <a:t>https://github.com/ValenYamamoto/IEEE_MPI_Workshop</a:t>
+            </a:r>
+            <a:endParaRPr lang="en-US" dirty="0"/>
           </a:p>
           <a:p>
             <a:r>
               <a:rPr lang="en-US" dirty="0"/>
               <a:t>Resources</a:t>
+            </a:r>
+          </a:p>
+          <a:p>
+            <a:pPr lvl="1"/>
+            <a:r>
+              <a:rPr lang="en-US" dirty="0"/>
+              <a:t>Lecture Notes: mpi_lecture_notes.md</a:t>
+            </a:r>
+          </a:p>
+          <a:p>
+            <a:pPr lvl="1"/>
+            <a:r>
+              <a:rPr lang="en-US" dirty="0"/>
+              <a:t>This PowerPoint: MPI_Workshop.pptx</a:t>
+            </a:r>
+          </a:p>
+          <a:p>
+            <a:pPr lvl="1"/>
+            <a:r>
+              <a:rPr lang="en-US" dirty="0"/>
+              <a:t>Code/Final Code: Links in README.md</a:t>
             </a:r>
           </a:p>
         </p:txBody>

--- a/MPI_Workshop.pptx
+++ b/MPI_Workshop.pptx
@@ -30,6 +30,7 @@
     <p:sldId id="315" r:id="rId24"/>
     <p:sldId id="316" r:id="rId25"/>
     <p:sldId id="317" r:id="rId26"/>
+    <p:sldId id="321" r:id="rId27"/>
   </p:sldIdLst>
   <p:sldSz cx="12192000" cy="6858000"/>
   <p:notesSz cx="6858000" cy="9144000"/>
@@ -17463,7 +17464,7 @@
           <a:p>
             <a:r>
               <a:rPr lang="en-US" dirty="0"/>
-              <a:t>Need a wait routine (or test routing ) to make sure data is ready to be modified</a:t>
+              <a:t>Need a wait routine (or test routine) to make sure data is ready to be modified</a:t>
             </a:r>
           </a:p>
           <a:p>
@@ -21350,6 +21351,149 @@
 </p:sld>
 </file>
 
+<file path=ppt/slides/slide26.xml><?xml version="1.0" encoding="utf-8"?>
+<p:sld xmlns:a="http://schemas.openxmlformats.org/drawingml/2006/main" xmlns:r="http://schemas.openxmlformats.org/officeDocument/2006/relationships" xmlns:p="http://schemas.openxmlformats.org/presentationml/2006/main">
+  <p:cSld>
+    <p:spTree>
+      <p:nvGrpSpPr>
+        <p:cNvPr id="1" name=""/>
+        <p:cNvGrpSpPr/>
+        <p:nvPr/>
+      </p:nvGrpSpPr>
+      <p:grpSpPr>
+        <a:xfrm>
+          <a:off x="0" y="0"/>
+          <a:ext cx="0" cy="0"/>
+          <a:chOff x="0" y="0"/>
+          <a:chExt cx="0" cy="0"/>
+        </a:xfrm>
+      </p:grpSpPr>
+      <p:sp>
+        <p:nvSpPr>
+          <p:cNvPr id="2" name="Title 1">
+            <a:extLst>
+              <a:ext uri="{FF2B5EF4-FFF2-40B4-BE49-F238E27FC236}">
+                <a16:creationId xmlns:a16="http://schemas.microsoft.com/office/drawing/2014/main" id="{FCF0DFF6-8648-457D-8AF4-33A4A343453E}"/>
+              </a:ext>
+            </a:extLst>
+          </p:cNvPr>
+          <p:cNvSpPr>
+            <a:spLocks noGrp="1"/>
+          </p:cNvSpPr>
+          <p:nvPr>
+            <p:ph type="title"/>
+          </p:nvPr>
+        </p:nvSpPr>
+        <p:spPr/>
+        <p:txBody>
+          <a:bodyPr/>
+          <a:lstStyle/>
+          <a:p>
+            <a:r>
+              <a:rPr lang="en-US" dirty="0"/>
+              <a:t>Resources</a:t>
+            </a:r>
+          </a:p>
+        </p:txBody>
+      </p:sp>
+      <p:sp>
+        <p:nvSpPr>
+          <p:cNvPr id="3" name="Content Placeholder 2">
+            <a:extLst>
+              <a:ext uri="{FF2B5EF4-FFF2-40B4-BE49-F238E27FC236}">
+                <a16:creationId xmlns:a16="http://schemas.microsoft.com/office/drawing/2014/main" id="{478453E2-14DF-446A-A056-4A2CDE6E984E}"/>
+              </a:ext>
+            </a:extLst>
+          </p:cNvPr>
+          <p:cNvSpPr>
+            <a:spLocks noGrp="1"/>
+          </p:cNvSpPr>
+          <p:nvPr>
+            <p:ph idx="1"/>
+          </p:nvPr>
+        </p:nvSpPr>
+        <p:spPr/>
+        <p:txBody>
+          <a:bodyPr>
+            <a:normAutofit/>
+          </a:bodyPr>
+          <a:lstStyle/>
+          <a:p>
+            <a:r>
+              <a:rPr lang="en-US" dirty="0"/>
+              <a:t>MPI Tutorial - </a:t>
+            </a:r>
+            <a:r>
+              <a:rPr lang="en-US" dirty="0">
+                <a:hlinkClick r:id="rId2"/>
+              </a:rPr>
+              <a:t>https://computing.llnl.gov/tutorials/mpi/</a:t>
+            </a:r>
+            <a:r>
+              <a:rPr lang="en-US" dirty="0"/>
+              <a:t> (in C and Fortran)</a:t>
+            </a:r>
+          </a:p>
+          <a:p>
+            <a:r>
+              <a:rPr lang="en-US" dirty="0"/>
+              <a:t>mpi4py docs - </a:t>
+            </a:r>
+            <a:r>
+              <a:rPr lang="en-US" dirty="0">
+                <a:hlinkClick r:id="rId3"/>
+              </a:rPr>
+              <a:t>https://mpi4py.readthedocs.io/en/stable/</a:t>
+            </a:r>
+            <a:endParaRPr lang="en-US" dirty="0"/>
+          </a:p>
+          <a:p>
+            <a:r>
+              <a:rPr lang="en-US" dirty="0"/>
+              <a:t>Some more on Non-Blocking </a:t>
+            </a:r>
+            <a:r>
+              <a:rPr lang="en-US" dirty="0">
+                <a:hlinkClick r:id="rId4"/>
+              </a:rPr>
+              <a:t>https://www.codingame.com/playgrounds/349/introduction-to-mpi/non-blocking-communications---exercise</a:t>
+            </a:r>
+            <a:endParaRPr lang="en-US" dirty="0"/>
+          </a:p>
+          <a:p>
+            <a:r>
+              <a:rPr lang="en-US" dirty="0"/>
+              <a:t>Cannon's Algorithm - </a:t>
+            </a:r>
+            <a:r>
+              <a:rPr lang="en-US" dirty="0">
+                <a:hlinkClick r:id="rId5"/>
+              </a:rPr>
+              <a:t>https://en.wikipedia.org/wiki/Cannon%27s</a:t>
+            </a:r>
+            <a:r>
+              <a:rPr lang="en-US">
+                <a:hlinkClick r:id="rId5"/>
+              </a:rPr>
+              <a:t>_algorithm</a:t>
+            </a:r>
+            <a:endParaRPr lang="en-US"/>
+          </a:p>
+        </p:txBody>
+      </p:sp>
+    </p:spTree>
+    <p:extLst>
+      <p:ext uri="{BB962C8B-B14F-4D97-AF65-F5344CB8AC3E}">
+        <p14:creationId xmlns:p14="http://schemas.microsoft.com/office/powerpoint/2010/main" val="4262777141"/>
+      </p:ext>
+    </p:extLst>
+  </p:cSld>
+  <p:clrMapOvr>
+    <a:masterClrMapping/>
+  </p:clrMapOvr>
+</p:sld>
+</file>
+
 <file path=ppt/slides/slide3.xml><?xml version="1.0" encoding="utf-8"?>
 <p:sld xmlns:a="http://schemas.openxmlformats.org/drawingml/2006/main" xmlns:r="http://schemas.openxmlformats.org/officeDocument/2006/relationships" xmlns:p="http://schemas.openxmlformats.org/presentationml/2006/main">
   <p:cSld>
